--- a/20240712/sample/スケジュール.pptx
+++ b/20240712/sample/スケジュール.pptx
@@ -8,12 +8,13 @@
     <p:sldMasterId id="2147483677" r:id="rId4"/>
   </p:sldMasterIdLst>
   <p:notesMasterIdLst>
-    <p:notesMasterId r:id="rId8"/>
+    <p:notesMasterId r:id="rId9"/>
   </p:notesMasterIdLst>
   <p:sldIdLst>
-    <p:sldId id="15118" r:id="rId5"/>
-    <p:sldId id="15114" r:id="rId6"/>
-    <p:sldId id="15119" r:id="rId7"/>
+    <p:sldId id="15119" r:id="rId5"/>
+    <p:sldId id="15120" r:id="rId6"/>
+    <p:sldId id="15118" r:id="rId7"/>
+    <p:sldId id="15114" r:id="rId8"/>
   </p:sldIdLst>
   <p:sldSz cx="12192000" cy="6858000"/>
   <p:notesSz cx="6858000" cy="9144000"/>
@@ -711,7 +712,7 @@
           <a:p>
             <a:fld id="{9658A22A-E5D9-41D2-96B3-0C305ABBA05F}" type="datetimeFigureOut">
               <a:rPr kumimoji="1" lang="ja-JP" altLang="en-US" smtClean="0"/>
-              <a:t>2024/9/30</a:t>
+              <a:t>2024/10/1</a:t>
             </a:fld>
             <a:endParaRPr kumimoji="1" lang="ja-JP" altLang="en-US"/>
           </a:p>
@@ -1075,7 +1076,7 @@
           <a:p>
             <a:fld id="{C7AF95DA-1DED-4351-A436-B02E859C15B5}" type="slidenum">
               <a:rPr kumimoji="1" lang="ja-JP" altLang="en-US" smtClean="0"/>
-              <a:t>1</a:t>
+              <a:t>3</a:t>
             </a:fld>
             <a:endParaRPr kumimoji="1" lang="ja-JP" altLang="en-US"/>
           </a:p>
@@ -1348,7 +1349,7 @@
           <a:p>
             <a:fld id="{E5CE2423-1C35-4C12-BAEC-CBD3693D0CE2}" type="datetimeFigureOut">
               <a:rPr kumimoji="1" lang="ja-JP" altLang="en-US" smtClean="0"/>
-              <a:t>2024/9/30</a:t>
+              <a:t>2024/10/1</a:t>
             </a:fld>
             <a:endParaRPr kumimoji="1" lang="ja-JP" altLang="en-US"/>
           </a:p>
@@ -1503,7 +1504,7 @@
             <a:fld id="{FCAFAC13-DB77-42F2-BE26-45BA5532FD50}" type="datetime4">
               <a:rPr lang="en-US" altLang="ja-JP" smtClean="0"/>
               <a:pPr/>
-              <a:t>September 30, 2024</a:t>
+              <a:t>October 1, 2024</a:t>
             </a:fld>
             <a:endParaRPr lang="en-US" dirty="0"/>
           </a:p>
@@ -1721,7 +1722,7 @@
             <a:fld id="{FCAFAC13-DB77-42F2-BE26-45BA5532FD50}" type="datetime4">
               <a:rPr lang="en-US" altLang="ja-JP" smtClean="0"/>
               <a:pPr/>
-              <a:t>September 30, 2024</a:t>
+              <a:t>October 1, 2024</a:t>
             </a:fld>
             <a:endParaRPr lang="en-US" dirty="0"/>
           </a:p>
@@ -1963,7 +1964,7 @@
             <a:fld id="{FCAFAC13-DB77-42F2-BE26-45BA5532FD50}" type="datetime4">
               <a:rPr lang="en-US" altLang="ja-JP" smtClean="0"/>
               <a:pPr/>
-              <a:t>September 30, 2024</a:t>
+              <a:t>October 1, 2024</a:t>
             </a:fld>
             <a:endParaRPr lang="en-US" dirty="0"/>
           </a:p>
@@ -3415,7 +3416,7 @@
           <a:p>
             <a:fld id="{E5CE2423-1C35-4C12-BAEC-CBD3693D0CE2}" type="datetimeFigureOut">
               <a:rPr kumimoji="1" lang="ja-JP" altLang="en-US" smtClean="0"/>
-              <a:t>2024/9/30</a:t>
+              <a:t>2024/10/1</a:t>
             </a:fld>
             <a:endParaRPr kumimoji="1" lang="ja-JP" altLang="en-US"/>
           </a:p>
@@ -3849,7 +3850,7 @@
           <a:p>
             <a:fld id="{E5CE2423-1C35-4C12-BAEC-CBD3693D0CE2}" type="datetimeFigureOut">
               <a:rPr kumimoji="1" lang="ja-JP" altLang="en-US" smtClean="0"/>
-              <a:t>2024/9/30</a:t>
+              <a:t>2024/10/1</a:t>
             </a:fld>
             <a:endParaRPr kumimoji="1" lang="ja-JP" altLang="en-US"/>
           </a:p>
@@ -4152,7 +4153,7 @@
           <a:p>
             <a:fld id="{E5CE2423-1C35-4C12-BAEC-CBD3693D0CE2}" type="datetimeFigureOut">
               <a:rPr kumimoji="1" lang="ja-JP" altLang="en-US" smtClean="0"/>
-              <a:t>2024/9/30</a:t>
+              <a:t>2024/10/1</a:t>
             </a:fld>
             <a:endParaRPr kumimoji="1" lang="ja-JP" altLang="en-US"/>
           </a:p>
@@ -4368,7 +4369,7 @@
           <a:p>
             <a:fld id="{E5CE2423-1C35-4C12-BAEC-CBD3693D0CE2}" type="datetimeFigureOut">
               <a:rPr kumimoji="1" lang="ja-JP" altLang="en-US" smtClean="0"/>
-              <a:t>2024/9/30</a:t>
+              <a:t>2024/10/1</a:t>
             </a:fld>
             <a:endParaRPr kumimoji="1" lang="ja-JP" altLang="en-US"/>
           </a:p>
@@ -4658,7 +4659,7 @@
             <a:fld id="{FCAFAC13-DB77-42F2-BE26-45BA5532FD50}" type="datetime4">
               <a:rPr lang="en-US" altLang="ja-JP" smtClean="0"/>
               <a:pPr/>
-              <a:t>September 30, 2024</a:t>
+              <a:t>October 1, 2024</a:t>
             </a:fld>
             <a:endParaRPr lang="en-US" dirty="0"/>
           </a:p>
@@ -5069,7 +5070,7 @@
             <a:fld id="{FCAFAC13-DB77-42F2-BE26-45BA5532FD50}" type="datetime4">
               <a:rPr lang="en-US" altLang="ja-JP" smtClean="0"/>
               <a:pPr/>
-              <a:t>September 30, 2024</a:t>
+              <a:t>October 1, 2024</a:t>
             </a:fld>
             <a:endParaRPr lang="en-US" dirty="0"/>
           </a:p>
@@ -5401,7 +5402,7 @@
           <a:p>
             <a:fld id="{E5CE2423-1C35-4C12-BAEC-CBD3693D0CE2}" type="datetimeFigureOut">
               <a:rPr kumimoji="1" lang="ja-JP" altLang="en-US" smtClean="0"/>
-              <a:t>2024/9/30</a:t>
+              <a:t>2024/10/1</a:t>
             </a:fld>
             <a:endParaRPr kumimoji="1" lang="ja-JP" altLang="en-US"/>
           </a:p>
@@ -11753,7 +11754,7 @@
             <a:fld id="{FCAFAC13-DB77-42F2-BE26-45BA5532FD50}" type="datetime4">
               <a:rPr lang="en-US" altLang="ja-JP" smtClean="0"/>
               <a:pPr/>
-              <a:t>September 30, 2024</a:t>
+              <a:t>October 1, 2024</a:t>
             </a:fld>
             <a:endParaRPr lang="en-US" dirty="0"/>
           </a:p>
@@ -17576,6 +17577,1939 @@
           <p:cNvPr id="2" name="テキスト プレースホルダー 1">
             <a:extLst>
               <a:ext uri="{FF2B5EF4-FFF2-40B4-BE49-F238E27FC236}">
+                <a16:creationId xmlns:a16="http://schemas.microsoft.com/office/drawing/2014/main" id="{A1E51239-214B-9CC0-22C2-C99F0F74B5E5}"/>
+              </a:ext>
+            </a:extLst>
+          </p:cNvPr>
+          <p:cNvSpPr>
+            <a:spLocks noGrp="1"/>
+          </p:cNvSpPr>
+          <p:nvPr>
+            <p:ph type="body" sz="quarter" idx="18"/>
+          </p:nvPr>
+        </p:nvSpPr>
+        <p:spPr/>
+        <p:txBody>
+          <a:bodyPr/>
+          <a:lstStyle/>
+          <a:p>
+            <a:r>
+              <a:rPr lang="ja-JP" altLang="en-US" sz="1800" b="0" dirty="0"/>
+              <a:t>前々回）データ数の変更により、</a:t>
+            </a:r>
+            <a:r>
+              <a:rPr lang="en-US" altLang="ja-JP" sz="1800" b="0" dirty="0"/>
+              <a:t>SHAP</a:t>
+            </a:r>
+            <a:r>
+              <a:rPr lang="ja-JP" altLang="en-US" sz="1800" b="0" dirty="0"/>
+              <a:t>値（の要因分解）が変化してしまう</a:t>
+            </a:r>
+            <a:endParaRPr lang="en-US" altLang="ja-JP" sz="1800" b="0" dirty="0"/>
+          </a:p>
+          <a:p>
+            <a:r>
+              <a:rPr kumimoji="1" lang="ja-JP" altLang="en-US" sz="1800" b="0" dirty="0"/>
+              <a:t>　　　　→　</a:t>
+            </a:r>
+            <a:r>
+              <a:rPr kumimoji="1" lang="en-US" altLang="ja-JP" sz="1800" b="0" dirty="0"/>
+              <a:t>SHAP</a:t>
+            </a:r>
+            <a:r>
+              <a:rPr kumimoji="1" lang="ja-JP" altLang="en-US" sz="1800" b="0" dirty="0"/>
+              <a:t>値の安定性が課題？</a:t>
+            </a:r>
+          </a:p>
+        </p:txBody>
+      </p:sp>
+      <p:sp>
+        <p:nvSpPr>
+          <p:cNvPr id="3" name="テキスト プレースホルダー 2">
+            <a:extLst>
+              <a:ext uri="{FF2B5EF4-FFF2-40B4-BE49-F238E27FC236}">
+                <a16:creationId xmlns:a16="http://schemas.microsoft.com/office/drawing/2014/main" id="{5997D6E0-0A04-CE2C-7885-138C767EDC8D}"/>
+              </a:ext>
+            </a:extLst>
+          </p:cNvPr>
+          <p:cNvSpPr>
+            <a:spLocks noGrp="1"/>
+          </p:cNvSpPr>
+          <p:nvPr>
+            <p:ph type="body" sz="quarter" idx="20"/>
+          </p:nvPr>
+        </p:nvSpPr>
+        <p:spPr/>
+        <p:txBody>
+          <a:bodyPr/>
+          <a:lstStyle/>
+          <a:p>
+            <a:r>
+              <a:rPr kumimoji="1" lang="en-US" altLang="ja-JP" dirty="0"/>
+              <a:t>SHAP</a:t>
+            </a:r>
+            <a:r>
+              <a:rPr kumimoji="1" lang="ja-JP" altLang="en-US" dirty="0"/>
+              <a:t>値の安定性について（</a:t>
+            </a:r>
+            <a:r>
+              <a:rPr kumimoji="1" lang="en-US" altLang="ja-JP" dirty="0"/>
+              <a:t>1/2</a:t>
+            </a:r>
+            <a:r>
+              <a:rPr kumimoji="1" lang="ja-JP" altLang="en-US" dirty="0"/>
+              <a:t>）</a:t>
+            </a:r>
+          </a:p>
+        </p:txBody>
+      </p:sp>
+      <p:sp>
+        <p:nvSpPr>
+          <p:cNvPr id="4" name="日付プレースホルダー 3">
+            <a:extLst>
+              <a:ext uri="{FF2B5EF4-FFF2-40B4-BE49-F238E27FC236}">
+                <a16:creationId xmlns:a16="http://schemas.microsoft.com/office/drawing/2014/main" id="{23E784A7-3043-6D6D-3274-20E42251CED7}"/>
+              </a:ext>
+            </a:extLst>
+          </p:cNvPr>
+          <p:cNvSpPr>
+            <a:spLocks noGrp="1"/>
+          </p:cNvSpPr>
+          <p:nvPr>
+            <p:ph type="dt" sz="half" idx="19"/>
+          </p:nvPr>
+        </p:nvSpPr>
+        <p:spPr/>
+        <p:txBody>
+          <a:bodyPr/>
+          <a:lstStyle/>
+          <a:p>
+            <a:fld id="{FCAFAC13-DB77-42F2-BE26-45BA5532FD50}" type="datetime4">
+              <a:rPr lang="en-US" altLang="ja-JP" smtClean="0"/>
+              <a:pPr/>
+              <a:t>October 1, 2024</a:t>
+            </a:fld>
+            <a:endParaRPr lang="en-US" dirty="0"/>
+          </a:p>
+        </p:txBody>
+      </p:sp>
+      <p:sp>
+        <p:nvSpPr>
+          <p:cNvPr id="5" name="正方形/長方形 4">
+            <a:extLst>
+              <a:ext uri="{FF2B5EF4-FFF2-40B4-BE49-F238E27FC236}">
+                <a16:creationId xmlns:a16="http://schemas.microsoft.com/office/drawing/2014/main" id="{D55735C2-A1EB-165A-4EFF-6E7F9420626E}"/>
+              </a:ext>
+            </a:extLst>
+          </p:cNvPr>
+          <p:cNvSpPr/>
+          <p:nvPr/>
+        </p:nvSpPr>
+        <p:spPr>
+          <a:xfrm>
+            <a:off x="443077" y="2815037"/>
+            <a:ext cx="5327175" cy="386684"/>
+          </a:xfrm>
+          <a:prstGeom prst="rect">
+            <a:avLst/>
+          </a:prstGeom>
+          <a:solidFill>
+            <a:schemeClr val="accent2">
+              <a:lumMod val="20000"/>
+              <a:lumOff val="80000"/>
+            </a:schemeClr>
+          </a:solidFill>
+        </p:spPr>
+        <p:style>
+          <a:lnRef idx="2">
+            <a:schemeClr val="accent1">
+              <a:shade val="15000"/>
+            </a:schemeClr>
+          </a:lnRef>
+          <a:fillRef idx="1">
+            <a:schemeClr val="accent1"/>
+          </a:fillRef>
+          <a:effectRef idx="0">
+            <a:schemeClr val="accent1"/>
+          </a:effectRef>
+          <a:fontRef idx="minor">
+            <a:schemeClr val="lt1"/>
+          </a:fontRef>
+        </p:style>
+        <p:txBody>
+          <a:bodyPr rtlCol="0" anchor="ctr"/>
+          <a:lstStyle/>
+          <a:p>
+            <a:pPr algn="ctr"/>
+            <a:r>
+              <a:rPr kumimoji="1" lang="ja-JP" altLang="en-US" dirty="0">
+                <a:solidFill>
+                  <a:schemeClr val="tx1"/>
+                </a:solidFill>
+              </a:rPr>
+              <a:t>半年</a:t>
+            </a:r>
+          </a:p>
+        </p:txBody>
+      </p:sp>
+      <p:sp>
+        <p:nvSpPr>
+          <p:cNvPr id="6" name="正方形/長方形 5">
+            <a:extLst>
+              <a:ext uri="{FF2B5EF4-FFF2-40B4-BE49-F238E27FC236}">
+                <a16:creationId xmlns:a16="http://schemas.microsoft.com/office/drawing/2014/main" id="{1311AB81-BD86-A3A4-CD23-379B826CF2F0}"/>
+              </a:ext>
+            </a:extLst>
+          </p:cNvPr>
+          <p:cNvSpPr/>
+          <p:nvPr/>
+        </p:nvSpPr>
+        <p:spPr>
+          <a:xfrm>
+            <a:off x="3087532" y="3864410"/>
+            <a:ext cx="2682720" cy="386684"/>
+          </a:xfrm>
+          <a:prstGeom prst="rect">
+            <a:avLst/>
+          </a:prstGeom>
+          <a:solidFill>
+            <a:schemeClr val="accent2">
+              <a:lumMod val="20000"/>
+              <a:lumOff val="80000"/>
+            </a:schemeClr>
+          </a:solidFill>
+        </p:spPr>
+        <p:style>
+          <a:lnRef idx="2">
+            <a:schemeClr val="accent1">
+              <a:shade val="15000"/>
+            </a:schemeClr>
+          </a:lnRef>
+          <a:fillRef idx="1">
+            <a:schemeClr val="accent1"/>
+          </a:fillRef>
+          <a:effectRef idx="0">
+            <a:schemeClr val="accent1"/>
+          </a:effectRef>
+          <a:fontRef idx="minor">
+            <a:schemeClr val="lt1"/>
+          </a:fontRef>
+        </p:style>
+        <p:txBody>
+          <a:bodyPr rtlCol="0" anchor="ctr"/>
+          <a:lstStyle/>
+          <a:p>
+            <a:pPr algn="ctr"/>
+            <a:r>
+              <a:rPr kumimoji="1" lang="en-US" altLang="ja-JP" dirty="0">
+                <a:solidFill>
+                  <a:schemeClr val="tx1"/>
+                </a:solidFill>
+              </a:rPr>
+              <a:t>3</a:t>
+            </a:r>
+            <a:r>
+              <a:rPr kumimoji="1" lang="ja-JP" altLang="en-US" dirty="0">
+                <a:solidFill>
+                  <a:schemeClr val="tx1"/>
+                </a:solidFill>
+              </a:rPr>
+              <a:t>か月</a:t>
+            </a:r>
+          </a:p>
+        </p:txBody>
+      </p:sp>
+      <p:sp>
+        <p:nvSpPr>
+          <p:cNvPr id="7" name="正方形/長方形 6">
+            <a:extLst>
+              <a:ext uri="{FF2B5EF4-FFF2-40B4-BE49-F238E27FC236}">
+                <a16:creationId xmlns:a16="http://schemas.microsoft.com/office/drawing/2014/main" id="{3DB1001D-1B3C-B8F9-003E-8DDE9E5762C8}"/>
+              </a:ext>
+            </a:extLst>
+          </p:cNvPr>
+          <p:cNvSpPr/>
+          <p:nvPr/>
+        </p:nvSpPr>
+        <p:spPr>
+          <a:xfrm>
+            <a:off x="4852678" y="4992955"/>
+            <a:ext cx="910187" cy="386684"/>
+          </a:xfrm>
+          <a:prstGeom prst="rect">
+            <a:avLst/>
+          </a:prstGeom>
+          <a:solidFill>
+            <a:schemeClr val="accent2">
+              <a:lumMod val="20000"/>
+              <a:lumOff val="80000"/>
+            </a:schemeClr>
+          </a:solidFill>
+        </p:spPr>
+        <p:style>
+          <a:lnRef idx="2">
+            <a:schemeClr val="accent1">
+              <a:shade val="15000"/>
+            </a:schemeClr>
+          </a:lnRef>
+          <a:fillRef idx="1">
+            <a:schemeClr val="accent1"/>
+          </a:fillRef>
+          <a:effectRef idx="0">
+            <a:schemeClr val="accent1"/>
+          </a:effectRef>
+          <a:fontRef idx="minor">
+            <a:schemeClr val="lt1"/>
+          </a:fontRef>
+        </p:style>
+        <p:txBody>
+          <a:bodyPr rtlCol="0" anchor="ctr"/>
+          <a:lstStyle/>
+          <a:p>
+            <a:pPr algn="ctr"/>
+            <a:r>
+              <a:rPr kumimoji="1" lang="en-US" altLang="ja-JP" dirty="0">
+                <a:solidFill>
+                  <a:schemeClr val="tx1"/>
+                </a:solidFill>
+              </a:rPr>
+              <a:t>1</a:t>
+            </a:r>
+            <a:r>
+              <a:rPr kumimoji="1" lang="ja-JP" altLang="en-US" dirty="0">
+                <a:solidFill>
+                  <a:schemeClr val="tx1"/>
+                </a:solidFill>
+              </a:rPr>
+              <a:t>か月</a:t>
+            </a:r>
+          </a:p>
+        </p:txBody>
+      </p:sp>
+      <p:sp>
+        <p:nvSpPr>
+          <p:cNvPr id="8" name="フローチャート: 結合子 7">
+            <a:extLst>
+              <a:ext uri="{FF2B5EF4-FFF2-40B4-BE49-F238E27FC236}">
+                <a16:creationId xmlns:a16="http://schemas.microsoft.com/office/drawing/2014/main" id="{F2A06B8F-AE92-6F40-A52E-9FE9E3FA2300}"/>
+              </a:ext>
+            </a:extLst>
+          </p:cNvPr>
+          <p:cNvSpPr/>
+          <p:nvPr/>
+        </p:nvSpPr>
+        <p:spPr>
+          <a:xfrm>
+            <a:off x="6608926" y="2643672"/>
+            <a:ext cx="721721" cy="729414"/>
+          </a:xfrm>
+          <a:prstGeom prst="flowChartConnector">
+            <a:avLst/>
+          </a:prstGeom>
+        </p:spPr>
+        <p:style>
+          <a:lnRef idx="2">
+            <a:schemeClr val="accent1">
+              <a:shade val="15000"/>
+            </a:schemeClr>
+          </a:lnRef>
+          <a:fillRef idx="1">
+            <a:schemeClr val="accent1"/>
+          </a:fillRef>
+          <a:effectRef idx="0">
+            <a:schemeClr val="accent1"/>
+          </a:effectRef>
+          <a:fontRef idx="minor">
+            <a:schemeClr val="lt1"/>
+          </a:fontRef>
+        </p:style>
+        <p:txBody>
+          <a:bodyPr rtlCol="0" anchor="ctr"/>
+          <a:lstStyle/>
+          <a:p>
+            <a:pPr algn="ctr"/>
+            <a:endParaRPr kumimoji="1" lang="ja-JP" altLang="en-US" sz="1400" dirty="0"/>
+          </a:p>
+        </p:txBody>
+      </p:sp>
+      <p:sp>
+        <p:nvSpPr>
+          <p:cNvPr id="9" name="フローチャート: 結合子 8">
+            <a:extLst>
+              <a:ext uri="{FF2B5EF4-FFF2-40B4-BE49-F238E27FC236}">
+                <a16:creationId xmlns:a16="http://schemas.microsoft.com/office/drawing/2014/main" id="{C2FFF7CC-A318-A1C9-7922-07B8BBE44760}"/>
+              </a:ext>
+            </a:extLst>
+          </p:cNvPr>
+          <p:cNvSpPr/>
+          <p:nvPr/>
+        </p:nvSpPr>
+        <p:spPr>
+          <a:xfrm>
+            <a:off x="6601539" y="3738576"/>
+            <a:ext cx="721721" cy="729414"/>
+          </a:xfrm>
+          <a:prstGeom prst="flowChartConnector">
+            <a:avLst/>
+          </a:prstGeom>
+        </p:spPr>
+        <p:style>
+          <a:lnRef idx="2">
+            <a:schemeClr val="accent1">
+              <a:shade val="15000"/>
+            </a:schemeClr>
+          </a:lnRef>
+          <a:fillRef idx="1">
+            <a:schemeClr val="accent1"/>
+          </a:fillRef>
+          <a:effectRef idx="0">
+            <a:schemeClr val="accent1"/>
+          </a:effectRef>
+          <a:fontRef idx="minor">
+            <a:schemeClr val="lt1"/>
+          </a:fontRef>
+        </p:style>
+        <p:txBody>
+          <a:bodyPr rtlCol="0" anchor="ctr"/>
+          <a:lstStyle/>
+          <a:p>
+            <a:pPr algn="ctr"/>
+            <a:endParaRPr kumimoji="1" lang="ja-JP" altLang="en-US" sz="1400" dirty="0"/>
+          </a:p>
+        </p:txBody>
+      </p:sp>
+      <p:sp>
+        <p:nvSpPr>
+          <p:cNvPr id="10" name="フローチャート: 結合子 9">
+            <a:extLst>
+              <a:ext uri="{FF2B5EF4-FFF2-40B4-BE49-F238E27FC236}">
+                <a16:creationId xmlns:a16="http://schemas.microsoft.com/office/drawing/2014/main" id="{29386CCD-CA0C-DCCF-ECB9-3F1C0444C90E}"/>
+              </a:ext>
+            </a:extLst>
+          </p:cNvPr>
+          <p:cNvSpPr/>
+          <p:nvPr/>
+        </p:nvSpPr>
+        <p:spPr>
+          <a:xfrm>
+            <a:off x="6608926" y="4831962"/>
+            <a:ext cx="721721" cy="729414"/>
+          </a:xfrm>
+          <a:prstGeom prst="flowChartConnector">
+            <a:avLst/>
+          </a:prstGeom>
+        </p:spPr>
+        <p:style>
+          <a:lnRef idx="2">
+            <a:schemeClr val="accent1">
+              <a:shade val="15000"/>
+            </a:schemeClr>
+          </a:lnRef>
+          <a:fillRef idx="1">
+            <a:schemeClr val="accent1"/>
+          </a:fillRef>
+          <a:effectRef idx="0">
+            <a:schemeClr val="accent1"/>
+          </a:effectRef>
+          <a:fontRef idx="minor">
+            <a:schemeClr val="lt1"/>
+          </a:fontRef>
+        </p:style>
+        <p:txBody>
+          <a:bodyPr rtlCol="0" anchor="ctr"/>
+          <a:lstStyle/>
+          <a:p>
+            <a:pPr algn="ctr"/>
+            <a:endParaRPr kumimoji="1" lang="ja-JP" altLang="en-US" sz="1400" dirty="0"/>
+          </a:p>
+        </p:txBody>
+      </p:sp>
+      <p:cxnSp>
+        <p:nvCxnSpPr>
+          <p:cNvPr id="12" name="直線矢印コネクタ 11">
+            <a:extLst>
+              <a:ext uri="{FF2B5EF4-FFF2-40B4-BE49-F238E27FC236}">
+                <a16:creationId xmlns:a16="http://schemas.microsoft.com/office/drawing/2014/main" id="{73160159-DE30-756E-9893-999C68ED7D61}"/>
+              </a:ext>
+            </a:extLst>
+          </p:cNvPr>
+          <p:cNvCxnSpPr>
+            <a:stCxn id="5" idx="3"/>
+            <a:endCxn id="8" idx="2"/>
+          </p:cNvCxnSpPr>
+          <p:nvPr/>
+        </p:nvCxnSpPr>
+        <p:spPr>
+          <a:xfrm>
+            <a:off x="5770252" y="3008379"/>
+            <a:ext cx="838674" cy="0"/>
+          </a:xfrm>
+          <a:prstGeom prst="straightConnector1">
+            <a:avLst/>
+          </a:prstGeom>
+          <a:ln>
+            <a:tailEnd type="triangle"/>
+          </a:ln>
+        </p:spPr>
+        <p:style>
+          <a:lnRef idx="1">
+            <a:schemeClr val="accent1"/>
+          </a:lnRef>
+          <a:fillRef idx="0">
+            <a:schemeClr val="accent1"/>
+          </a:fillRef>
+          <a:effectRef idx="0">
+            <a:schemeClr val="accent1"/>
+          </a:effectRef>
+          <a:fontRef idx="minor">
+            <a:schemeClr val="tx1"/>
+          </a:fontRef>
+        </p:style>
+      </p:cxnSp>
+      <p:cxnSp>
+        <p:nvCxnSpPr>
+          <p:cNvPr id="11" name="直線矢印コネクタ 10">
+            <a:extLst>
+              <a:ext uri="{FF2B5EF4-FFF2-40B4-BE49-F238E27FC236}">
+                <a16:creationId xmlns:a16="http://schemas.microsoft.com/office/drawing/2014/main" id="{536A7C65-9ADE-0B41-CA9E-D3A4B5E639E6}"/>
+              </a:ext>
+            </a:extLst>
+          </p:cNvPr>
+          <p:cNvCxnSpPr>
+            <a:cxnSpLocks/>
+            <a:endCxn id="9" idx="2"/>
+          </p:cNvCxnSpPr>
+          <p:nvPr/>
+        </p:nvCxnSpPr>
+        <p:spPr>
+          <a:xfrm>
+            <a:off x="5762865" y="4097292"/>
+            <a:ext cx="838674" cy="5991"/>
+          </a:xfrm>
+          <a:prstGeom prst="straightConnector1">
+            <a:avLst/>
+          </a:prstGeom>
+          <a:ln>
+            <a:tailEnd type="triangle"/>
+          </a:ln>
+        </p:spPr>
+        <p:style>
+          <a:lnRef idx="1">
+            <a:schemeClr val="accent1"/>
+          </a:lnRef>
+          <a:fillRef idx="0">
+            <a:schemeClr val="accent1"/>
+          </a:fillRef>
+          <a:effectRef idx="0">
+            <a:schemeClr val="accent1"/>
+          </a:effectRef>
+          <a:fontRef idx="minor">
+            <a:schemeClr val="tx1"/>
+          </a:fontRef>
+        </p:style>
+      </p:cxnSp>
+      <p:cxnSp>
+        <p:nvCxnSpPr>
+          <p:cNvPr id="15" name="直線矢印コネクタ 14">
+            <a:extLst>
+              <a:ext uri="{FF2B5EF4-FFF2-40B4-BE49-F238E27FC236}">
+                <a16:creationId xmlns:a16="http://schemas.microsoft.com/office/drawing/2014/main" id="{BF66C280-456C-1E2A-4BEF-3B89B913ED3A}"/>
+              </a:ext>
+            </a:extLst>
+          </p:cNvPr>
+          <p:cNvCxnSpPr>
+            <a:cxnSpLocks/>
+            <a:stCxn id="7" idx="3"/>
+            <a:endCxn id="10" idx="2"/>
+          </p:cNvCxnSpPr>
+          <p:nvPr/>
+        </p:nvCxnSpPr>
+        <p:spPr>
+          <a:xfrm>
+            <a:off x="5762865" y="5186297"/>
+            <a:ext cx="846061" cy="10372"/>
+          </a:xfrm>
+          <a:prstGeom prst="straightConnector1">
+            <a:avLst/>
+          </a:prstGeom>
+          <a:ln>
+            <a:tailEnd type="triangle"/>
+          </a:ln>
+        </p:spPr>
+        <p:style>
+          <a:lnRef idx="1">
+            <a:schemeClr val="accent1"/>
+          </a:lnRef>
+          <a:fillRef idx="0">
+            <a:schemeClr val="accent1"/>
+          </a:fillRef>
+          <a:effectRef idx="0">
+            <a:schemeClr val="accent1"/>
+          </a:effectRef>
+          <a:fontRef idx="minor">
+            <a:schemeClr val="tx1"/>
+          </a:fontRef>
+        </p:style>
+      </p:cxnSp>
+      <p:sp>
+        <p:nvSpPr>
+          <p:cNvPr id="32" name="テキスト ボックス 31">
+            <a:extLst>
+              <a:ext uri="{FF2B5EF4-FFF2-40B4-BE49-F238E27FC236}">
+                <a16:creationId xmlns:a16="http://schemas.microsoft.com/office/drawing/2014/main" id="{B60E6BAC-8122-A3FC-B7C4-3EF173A897A9}"/>
+              </a:ext>
+            </a:extLst>
+          </p:cNvPr>
+          <p:cNvSpPr txBox="1"/>
+          <p:nvPr/>
+        </p:nvSpPr>
+        <p:spPr>
+          <a:xfrm>
+            <a:off x="443077" y="1548825"/>
+            <a:ext cx="7249714" cy="369332"/>
+          </a:xfrm>
+          <a:prstGeom prst="rect">
+            <a:avLst/>
+          </a:prstGeom>
+          <a:noFill/>
+        </p:spPr>
+        <p:txBody>
+          <a:bodyPr wrap="square">
+            <a:spAutoFit/>
+          </a:bodyPr>
+          <a:lstStyle/>
+          <a:p>
+            <a:r>
+              <a:rPr lang="ja-JP" altLang="en-US" dirty="0"/>
+              <a:t>今回</a:t>
+            </a:r>
+            <a:r>
+              <a:rPr lang="ja-JP" altLang="en-US" b="0" dirty="0"/>
+              <a:t>）複数のデータ数でそれぞれ学習　→　平均した</a:t>
+            </a:r>
+            <a:r>
+              <a:rPr lang="en-US" altLang="ja-JP" b="0" dirty="0"/>
+              <a:t>SHAP</a:t>
+            </a:r>
+            <a:r>
+              <a:rPr lang="ja-JP" altLang="en-US" b="0" dirty="0"/>
+              <a:t>値を活用</a:t>
+            </a:r>
+            <a:endParaRPr lang="ja-JP" altLang="en-US" dirty="0"/>
+          </a:p>
+        </p:txBody>
+      </p:sp>
+      <p:cxnSp>
+        <p:nvCxnSpPr>
+          <p:cNvPr id="36" name="コネクタ: カギ線 35">
+            <a:extLst>
+              <a:ext uri="{FF2B5EF4-FFF2-40B4-BE49-F238E27FC236}">
+                <a16:creationId xmlns:a16="http://schemas.microsoft.com/office/drawing/2014/main" id="{6A162B45-D477-AA9B-43B3-60880CB88166}"/>
+              </a:ext>
+            </a:extLst>
+          </p:cNvPr>
+          <p:cNvCxnSpPr>
+            <a:cxnSpLocks/>
+            <a:stCxn id="8" idx="6"/>
+            <a:endCxn id="42" idx="1"/>
+          </p:cNvCxnSpPr>
+          <p:nvPr/>
+        </p:nvCxnSpPr>
+        <p:spPr>
+          <a:xfrm>
+            <a:off x="7330647" y="3008379"/>
+            <a:ext cx="1736765" cy="1099050"/>
+          </a:xfrm>
+          <a:prstGeom prst="bentConnector3">
+            <a:avLst/>
+          </a:prstGeom>
+          <a:ln>
+            <a:tailEnd type="triangle"/>
+          </a:ln>
+        </p:spPr>
+        <p:style>
+          <a:lnRef idx="1">
+            <a:schemeClr val="accent1"/>
+          </a:lnRef>
+          <a:fillRef idx="0">
+            <a:schemeClr val="accent1"/>
+          </a:fillRef>
+          <a:effectRef idx="0">
+            <a:schemeClr val="accent1"/>
+          </a:effectRef>
+          <a:fontRef idx="minor">
+            <a:schemeClr val="tx1"/>
+          </a:fontRef>
+        </p:style>
+      </p:cxnSp>
+      <p:cxnSp>
+        <p:nvCxnSpPr>
+          <p:cNvPr id="39" name="コネクタ: カギ線 38">
+            <a:extLst>
+              <a:ext uri="{FF2B5EF4-FFF2-40B4-BE49-F238E27FC236}">
+                <a16:creationId xmlns:a16="http://schemas.microsoft.com/office/drawing/2014/main" id="{62CBAD56-ABEF-8E8E-5032-73522CC78E88}"/>
+              </a:ext>
+            </a:extLst>
+          </p:cNvPr>
+          <p:cNvCxnSpPr>
+            <a:cxnSpLocks/>
+            <a:stCxn id="10" idx="6"/>
+            <a:endCxn id="42" idx="1"/>
+          </p:cNvCxnSpPr>
+          <p:nvPr/>
+        </p:nvCxnSpPr>
+        <p:spPr>
+          <a:xfrm flipV="1">
+            <a:off x="7330647" y="4107429"/>
+            <a:ext cx="1736765" cy="1089240"/>
+          </a:xfrm>
+          <a:prstGeom prst="bentConnector3">
+            <a:avLst/>
+          </a:prstGeom>
+          <a:ln>
+            <a:tailEnd type="triangle"/>
+          </a:ln>
+        </p:spPr>
+        <p:style>
+          <a:lnRef idx="1">
+            <a:schemeClr val="accent1"/>
+          </a:lnRef>
+          <a:fillRef idx="0">
+            <a:schemeClr val="accent1"/>
+          </a:fillRef>
+          <a:effectRef idx="0">
+            <a:schemeClr val="accent1"/>
+          </a:effectRef>
+          <a:fontRef idx="minor">
+            <a:schemeClr val="tx1"/>
+          </a:fontRef>
+        </p:style>
+      </p:cxnSp>
+      <p:sp>
+        <p:nvSpPr>
+          <p:cNvPr id="42" name="テキスト ボックス 41">
+            <a:extLst>
+              <a:ext uri="{FF2B5EF4-FFF2-40B4-BE49-F238E27FC236}">
+                <a16:creationId xmlns:a16="http://schemas.microsoft.com/office/drawing/2014/main" id="{80C14C53-FC83-FE07-DB06-3A380D2E22A9}"/>
+              </a:ext>
+            </a:extLst>
+          </p:cNvPr>
+          <p:cNvSpPr txBox="1"/>
+          <p:nvPr/>
+        </p:nvSpPr>
+        <p:spPr>
+          <a:xfrm>
+            <a:off x="9067412" y="3922763"/>
+            <a:ext cx="1443024" cy="369332"/>
+          </a:xfrm>
+          <a:prstGeom prst="rect">
+            <a:avLst/>
+          </a:prstGeom>
+          <a:noFill/>
+        </p:spPr>
+        <p:txBody>
+          <a:bodyPr wrap="none" rtlCol="0">
+            <a:spAutoFit/>
+          </a:bodyPr>
+          <a:lstStyle/>
+          <a:p>
+            <a:r>
+              <a:rPr kumimoji="1" lang="ja-JP" altLang="en-US" dirty="0"/>
+              <a:t>平均</a:t>
+            </a:r>
+            <a:r>
+              <a:rPr kumimoji="1" lang="en-US" altLang="ja-JP" dirty="0"/>
+              <a:t>SHAP</a:t>
+            </a:r>
+            <a:r>
+              <a:rPr kumimoji="1" lang="ja-JP" altLang="en-US" dirty="0"/>
+              <a:t>値</a:t>
+            </a:r>
+          </a:p>
+        </p:txBody>
+      </p:sp>
+      <p:cxnSp>
+        <p:nvCxnSpPr>
+          <p:cNvPr id="45" name="直線矢印コネクタ 44">
+            <a:extLst>
+              <a:ext uri="{FF2B5EF4-FFF2-40B4-BE49-F238E27FC236}">
+                <a16:creationId xmlns:a16="http://schemas.microsoft.com/office/drawing/2014/main" id="{C511510E-29FD-58E1-2201-0514ED4F594E}"/>
+              </a:ext>
+            </a:extLst>
+          </p:cNvPr>
+          <p:cNvCxnSpPr>
+            <a:cxnSpLocks/>
+            <a:stCxn id="9" idx="6"/>
+            <a:endCxn id="42" idx="1"/>
+          </p:cNvCxnSpPr>
+          <p:nvPr/>
+        </p:nvCxnSpPr>
+        <p:spPr>
+          <a:xfrm>
+            <a:off x="7323260" y="4103283"/>
+            <a:ext cx="1744152" cy="4146"/>
+          </a:xfrm>
+          <a:prstGeom prst="straightConnector1">
+            <a:avLst/>
+          </a:prstGeom>
+          <a:ln>
+            <a:tailEnd type="triangle"/>
+          </a:ln>
+        </p:spPr>
+        <p:style>
+          <a:lnRef idx="1">
+            <a:schemeClr val="accent1"/>
+          </a:lnRef>
+          <a:fillRef idx="0">
+            <a:schemeClr val="accent1"/>
+          </a:fillRef>
+          <a:effectRef idx="0">
+            <a:schemeClr val="accent1"/>
+          </a:effectRef>
+          <a:fontRef idx="minor">
+            <a:schemeClr val="tx1"/>
+          </a:fontRef>
+        </p:style>
+      </p:cxnSp>
+      <p:sp>
+        <p:nvSpPr>
+          <p:cNvPr id="49" name="テキスト ボックス 48">
+            <a:extLst>
+              <a:ext uri="{FF2B5EF4-FFF2-40B4-BE49-F238E27FC236}">
+                <a16:creationId xmlns:a16="http://schemas.microsoft.com/office/drawing/2014/main" id="{800FB081-AB84-7C63-0D3C-EA0A43A14C59}"/>
+              </a:ext>
+            </a:extLst>
+          </p:cNvPr>
+          <p:cNvSpPr txBox="1"/>
+          <p:nvPr/>
+        </p:nvSpPr>
+        <p:spPr>
+          <a:xfrm>
+            <a:off x="6451351" y="3423574"/>
+            <a:ext cx="1241440" cy="369332"/>
+          </a:xfrm>
+          <a:prstGeom prst="rect">
+            <a:avLst/>
+          </a:prstGeom>
+          <a:noFill/>
+        </p:spPr>
+        <p:txBody>
+          <a:bodyPr wrap="square">
+            <a:spAutoFit/>
+          </a:bodyPr>
+          <a:lstStyle/>
+          <a:p>
+            <a:r>
+              <a:rPr lang="en-US" altLang="ja-JP" dirty="0"/>
+              <a:t>RF</a:t>
+            </a:r>
+            <a:r>
+              <a:rPr lang="ja-JP" altLang="en-US" dirty="0"/>
+              <a:t>モデル</a:t>
+            </a:r>
+          </a:p>
+        </p:txBody>
+      </p:sp>
+      <p:sp>
+        <p:nvSpPr>
+          <p:cNvPr id="52" name="テキスト ボックス 51">
+            <a:extLst>
+              <a:ext uri="{FF2B5EF4-FFF2-40B4-BE49-F238E27FC236}">
+                <a16:creationId xmlns:a16="http://schemas.microsoft.com/office/drawing/2014/main" id="{F05656F5-4EED-B55E-C725-B58680718CED}"/>
+              </a:ext>
+            </a:extLst>
+          </p:cNvPr>
+          <p:cNvSpPr txBox="1"/>
+          <p:nvPr/>
+        </p:nvSpPr>
+        <p:spPr>
+          <a:xfrm>
+            <a:off x="6430054" y="4480198"/>
+            <a:ext cx="1241440" cy="369332"/>
+          </a:xfrm>
+          <a:prstGeom prst="rect">
+            <a:avLst/>
+          </a:prstGeom>
+          <a:noFill/>
+        </p:spPr>
+        <p:txBody>
+          <a:bodyPr wrap="square">
+            <a:spAutoFit/>
+          </a:bodyPr>
+          <a:lstStyle/>
+          <a:p>
+            <a:r>
+              <a:rPr lang="en-US" altLang="ja-JP" dirty="0"/>
+              <a:t>RF</a:t>
+            </a:r>
+            <a:r>
+              <a:rPr lang="ja-JP" altLang="en-US" dirty="0"/>
+              <a:t>モデル</a:t>
+            </a:r>
+          </a:p>
+        </p:txBody>
+      </p:sp>
+      <p:sp>
+        <p:nvSpPr>
+          <p:cNvPr id="53" name="テキスト ボックス 52">
+            <a:extLst>
+              <a:ext uri="{FF2B5EF4-FFF2-40B4-BE49-F238E27FC236}">
+                <a16:creationId xmlns:a16="http://schemas.microsoft.com/office/drawing/2014/main" id="{401D1708-2AE8-B58B-9A8F-CCDC84F4E219}"/>
+              </a:ext>
+            </a:extLst>
+          </p:cNvPr>
+          <p:cNvSpPr txBox="1"/>
+          <p:nvPr/>
+        </p:nvSpPr>
+        <p:spPr>
+          <a:xfrm>
+            <a:off x="6362173" y="5563212"/>
+            <a:ext cx="1241440" cy="369332"/>
+          </a:xfrm>
+          <a:prstGeom prst="rect">
+            <a:avLst/>
+          </a:prstGeom>
+          <a:noFill/>
+        </p:spPr>
+        <p:txBody>
+          <a:bodyPr wrap="square">
+            <a:spAutoFit/>
+          </a:bodyPr>
+          <a:lstStyle/>
+          <a:p>
+            <a:r>
+              <a:rPr lang="en-US" altLang="ja-JP" dirty="0"/>
+              <a:t>RF</a:t>
+            </a:r>
+            <a:r>
+              <a:rPr lang="ja-JP" altLang="en-US" dirty="0"/>
+              <a:t>モデル</a:t>
+            </a:r>
+          </a:p>
+        </p:txBody>
+      </p:sp>
+    </p:spTree>
+    <p:extLst>
+      <p:ext uri="{BB962C8B-B14F-4D97-AF65-F5344CB8AC3E}">
+        <p14:creationId xmlns:p14="http://schemas.microsoft.com/office/powerpoint/2010/main" val="2416191133"/>
+      </p:ext>
+    </p:extLst>
+  </p:cSld>
+  <p:clrMapOvr>
+    <a:masterClrMapping/>
+  </p:clrMapOvr>
+</p:sld>
+</file>
+
+<file path=ppt/slides/slide2.xml><?xml version="1.0" encoding="utf-8"?>
+<p:sld xmlns:a="http://schemas.openxmlformats.org/drawingml/2006/main" xmlns:r="http://schemas.openxmlformats.org/officeDocument/2006/relationships" xmlns:p="http://schemas.openxmlformats.org/presentationml/2006/main">
+  <p:cSld>
+    <p:spTree>
+      <p:nvGrpSpPr>
+        <p:cNvPr id="1" name=""/>
+        <p:cNvGrpSpPr/>
+        <p:nvPr/>
+      </p:nvGrpSpPr>
+      <p:grpSpPr>
+        <a:xfrm>
+          <a:off x="0" y="0"/>
+          <a:ext cx="0" cy="0"/>
+          <a:chOff x="0" y="0"/>
+          <a:chExt cx="0" cy="0"/>
+        </a:xfrm>
+      </p:grpSpPr>
+      <p:sp>
+        <p:nvSpPr>
+          <p:cNvPr id="2" name="テキスト プレースホルダー 1">
+            <a:extLst>
+              <a:ext uri="{FF2B5EF4-FFF2-40B4-BE49-F238E27FC236}">
+                <a16:creationId xmlns:a16="http://schemas.microsoft.com/office/drawing/2014/main" id="{EDF3A447-C864-0C70-5C27-88146530463E}"/>
+              </a:ext>
+            </a:extLst>
+          </p:cNvPr>
+          <p:cNvSpPr>
+            <a:spLocks noGrp="1"/>
+          </p:cNvSpPr>
+          <p:nvPr>
+            <p:ph type="body" sz="quarter" idx="18"/>
+          </p:nvPr>
+        </p:nvSpPr>
+        <p:spPr/>
+        <p:txBody>
+          <a:bodyPr/>
+          <a:lstStyle/>
+          <a:p>
+            <a:endParaRPr kumimoji="1" lang="ja-JP" altLang="en-US" dirty="0"/>
+          </a:p>
+        </p:txBody>
+      </p:sp>
+      <p:sp>
+        <p:nvSpPr>
+          <p:cNvPr id="3" name="テキスト プレースホルダー 2">
+            <a:extLst>
+              <a:ext uri="{FF2B5EF4-FFF2-40B4-BE49-F238E27FC236}">
+                <a16:creationId xmlns:a16="http://schemas.microsoft.com/office/drawing/2014/main" id="{795BA46A-AD09-05EB-EB4F-18B86CC4DD94}"/>
+              </a:ext>
+            </a:extLst>
+          </p:cNvPr>
+          <p:cNvSpPr>
+            <a:spLocks noGrp="1"/>
+          </p:cNvSpPr>
+          <p:nvPr>
+            <p:ph type="body" sz="quarter" idx="20"/>
+          </p:nvPr>
+        </p:nvSpPr>
+        <p:spPr/>
+        <p:txBody>
+          <a:bodyPr/>
+          <a:lstStyle/>
+          <a:p>
+            <a:r>
+              <a:rPr kumimoji="1" lang="en-US" altLang="ja-JP" dirty="0"/>
+              <a:t>SHAP</a:t>
+            </a:r>
+            <a:r>
+              <a:rPr kumimoji="1" lang="ja-JP" altLang="en-US" dirty="0"/>
+              <a:t>値の安定性について（</a:t>
+            </a:r>
+            <a:r>
+              <a:rPr lang="en-US" altLang="ja-JP" dirty="0"/>
+              <a:t>2</a:t>
+            </a:r>
+            <a:r>
+              <a:rPr kumimoji="1" lang="en-US" altLang="ja-JP" dirty="0"/>
+              <a:t>/2</a:t>
+            </a:r>
+            <a:r>
+              <a:rPr kumimoji="1" lang="ja-JP" altLang="en-US" dirty="0"/>
+              <a:t>）</a:t>
+            </a:r>
+          </a:p>
+          <a:p>
+            <a:endParaRPr kumimoji="1" lang="ja-JP" altLang="en-US" dirty="0"/>
+          </a:p>
+        </p:txBody>
+      </p:sp>
+      <p:sp>
+        <p:nvSpPr>
+          <p:cNvPr id="4" name="日付プレースホルダー 3">
+            <a:extLst>
+              <a:ext uri="{FF2B5EF4-FFF2-40B4-BE49-F238E27FC236}">
+                <a16:creationId xmlns:a16="http://schemas.microsoft.com/office/drawing/2014/main" id="{B109882A-32B6-0ADE-08A5-96D934DD766B}"/>
+              </a:ext>
+            </a:extLst>
+          </p:cNvPr>
+          <p:cNvSpPr>
+            <a:spLocks noGrp="1"/>
+          </p:cNvSpPr>
+          <p:nvPr>
+            <p:ph type="dt" sz="half" idx="19"/>
+          </p:nvPr>
+        </p:nvSpPr>
+        <p:spPr/>
+        <p:txBody>
+          <a:bodyPr/>
+          <a:lstStyle/>
+          <a:p>
+            <a:fld id="{FCAFAC13-DB77-42F2-BE26-45BA5532FD50}" type="datetime4">
+              <a:rPr lang="en-US" altLang="ja-JP" smtClean="0"/>
+              <a:pPr/>
+              <a:t>October 1, 2024</a:t>
+            </a:fld>
+            <a:endParaRPr lang="en-US" dirty="0"/>
+          </a:p>
+        </p:txBody>
+      </p:sp>
+      <p:graphicFrame>
+        <p:nvGraphicFramePr>
+          <p:cNvPr id="5" name="表 4">
+            <a:extLst>
+              <a:ext uri="{FF2B5EF4-FFF2-40B4-BE49-F238E27FC236}">
+                <a16:creationId xmlns:a16="http://schemas.microsoft.com/office/drawing/2014/main" id="{EC8F8F2F-B487-BCBB-2AE7-6B7720ECABF3}"/>
+              </a:ext>
+            </a:extLst>
+          </p:cNvPr>
+          <p:cNvGraphicFramePr>
+            <a:graphicFrameLocks noGrp="1"/>
+          </p:cNvGraphicFramePr>
+          <p:nvPr>
+            <p:extLst>
+              <p:ext uri="{D42A27DB-BD31-4B8C-83A1-F6EECF244321}">
+                <p14:modId xmlns:p14="http://schemas.microsoft.com/office/powerpoint/2010/main" val="1497723936"/>
+              </p:ext>
+            </p:extLst>
+          </p:nvPr>
+        </p:nvGraphicFramePr>
+        <p:xfrm>
+          <a:off x="443077" y="3199196"/>
+          <a:ext cx="11341552" cy="2225040"/>
+        </p:xfrm>
+        <a:graphic>
+          <a:graphicData uri="http://schemas.openxmlformats.org/drawingml/2006/table">
+            <a:tbl>
+              <a:tblPr firstRow="1" bandRow="1">
+                <a:tableStyleId>{5C22544A-7EE6-4342-B048-85BDC9FD1C3A}</a:tableStyleId>
+              </a:tblPr>
+              <a:tblGrid>
+                <a:gridCol w="1417694">
+                  <a:extLst>
+                    <a:ext uri="{9D8B030D-6E8A-4147-A177-3AD203B41FA5}">
+                      <a16:colId xmlns:a16="http://schemas.microsoft.com/office/drawing/2014/main" val="2436566087"/>
+                    </a:ext>
+                  </a:extLst>
+                </a:gridCol>
+                <a:gridCol w="1417694">
+                  <a:extLst>
+                    <a:ext uri="{9D8B030D-6E8A-4147-A177-3AD203B41FA5}">
+                      <a16:colId xmlns:a16="http://schemas.microsoft.com/office/drawing/2014/main" val="2241551164"/>
+                    </a:ext>
+                  </a:extLst>
+                </a:gridCol>
+                <a:gridCol w="1417694">
+                  <a:extLst>
+                    <a:ext uri="{9D8B030D-6E8A-4147-A177-3AD203B41FA5}">
+                      <a16:colId xmlns:a16="http://schemas.microsoft.com/office/drawing/2014/main" val="2200206594"/>
+                    </a:ext>
+                  </a:extLst>
+                </a:gridCol>
+                <a:gridCol w="1417694">
+                  <a:extLst>
+                    <a:ext uri="{9D8B030D-6E8A-4147-A177-3AD203B41FA5}">
+                      <a16:colId xmlns:a16="http://schemas.microsoft.com/office/drawing/2014/main" val="2598762094"/>
+                    </a:ext>
+                  </a:extLst>
+                </a:gridCol>
+                <a:gridCol w="1417694">
+                  <a:extLst>
+                    <a:ext uri="{9D8B030D-6E8A-4147-A177-3AD203B41FA5}">
+                      <a16:colId xmlns:a16="http://schemas.microsoft.com/office/drawing/2014/main" val="1096280682"/>
+                    </a:ext>
+                  </a:extLst>
+                </a:gridCol>
+                <a:gridCol w="1590932">
+                  <a:extLst>
+                    <a:ext uri="{9D8B030D-6E8A-4147-A177-3AD203B41FA5}">
+                      <a16:colId xmlns:a16="http://schemas.microsoft.com/office/drawing/2014/main" val="3936969200"/>
+                    </a:ext>
+                  </a:extLst>
+                </a:gridCol>
+                <a:gridCol w="1244456">
+                  <a:extLst>
+                    <a:ext uri="{9D8B030D-6E8A-4147-A177-3AD203B41FA5}">
+                      <a16:colId xmlns:a16="http://schemas.microsoft.com/office/drawing/2014/main" val="3090238642"/>
+                    </a:ext>
+                  </a:extLst>
+                </a:gridCol>
+                <a:gridCol w="1417694">
+                  <a:extLst>
+                    <a:ext uri="{9D8B030D-6E8A-4147-A177-3AD203B41FA5}">
+                      <a16:colId xmlns:a16="http://schemas.microsoft.com/office/drawing/2014/main" val="3651218181"/>
+                    </a:ext>
+                  </a:extLst>
+                </a:gridCol>
+              </a:tblGrid>
+              <a:tr h="370840">
+                <a:tc>
+                  <a:txBody>
+                    <a:bodyPr/>
+                    <a:lstStyle/>
+                    <a:p>
+                      <a:pPr algn="ctr"/>
+                      <a:endParaRPr kumimoji="1" lang="ja-JP" altLang="en-US" dirty="0"/>
+                    </a:p>
+                  </a:txBody>
+                  <a:tcPr/>
+                </a:tc>
+                <a:tc>
+                  <a:txBody>
+                    <a:bodyPr/>
+                    <a:lstStyle/>
+                    <a:p>
+                      <a:pPr algn="ctr"/>
+                      <a:r>
+                        <a:rPr kumimoji="1" lang="ja-JP" altLang="en-US" dirty="0"/>
+                        <a:t>①</a:t>
+                      </a:r>
+                    </a:p>
+                  </a:txBody>
+                  <a:tcPr/>
+                </a:tc>
+                <a:tc>
+                  <a:txBody>
+                    <a:bodyPr/>
+                    <a:lstStyle/>
+                    <a:p>
+                      <a:pPr algn="ctr"/>
+                      <a:r>
+                        <a:rPr kumimoji="1" lang="ja-JP" altLang="en-US" dirty="0"/>
+                        <a:t>②</a:t>
+                      </a:r>
+                    </a:p>
+                  </a:txBody>
+                  <a:tcPr/>
+                </a:tc>
+                <a:tc>
+                  <a:txBody>
+                    <a:bodyPr/>
+                    <a:lstStyle/>
+                    <a:p>
+                      <a:pPr algn="ctr"/>
+                      <a:r>
+                        <a:rPr kumimoji="1" lang="ja-JP" altLang="en-US" dirty="0"/>
+                        <a:t>➂</a:t>
+                      </a:r>
+                    </a:p>
+                  </a:txBody>
+                  <a:tcPr/>
+                </a:tc>
+                <a:tc>
+                  <a:txBody>
+                    <a:bodyPr/>
+                    <a:lstStyle/>
+                    <a:p>
+                      <a:pPr algn="ctr"/>
+                      <a:r>
+                        <a:rPr kumimoji="1" lang="ja-JP" altLang="en-US" dirty="0"/>
+                        <a:t>①＋②</a:t>
+                      </a:r>
+                    </a:p>
+                  </a:txBody>
+                  <a:tcPr/>
+                </a:tc>
+                <a:tc>
+                  <a:txBody>
+                    <a:bodyPr/>
+                    <a:lstStyle/>
+                    <a:p>
+                      <a:pPr algn="ctr"/>
+                      <a:r>
+                        <a:rPr kumimoji="1" lang="ja-JP" altLang="en-US" dirty="0"/>
+                        <a:t>②＋➂</a:t>
+                      </a:r>
+                    </a:p>
+                  </a:txBody>
+                  <a:tcPr/>
+                </a:tc>
+                <a:tc>
+                  <a:txBody>
+                    <a:bodyPr/>
+                    <a:lstStyle/>
+                    <a:p>
+                      <a:pPr algn="ctr"/>
+                      <a:r>
+                        <a:rPr kumimoji="1" lang="ja-JP" altLang="en-US" dirty="0"/>
+                        <a:t>①＋➂</a:t>
+                      </a:r>
+                    </a:p>
+                  </a:txBody>
+                  <a:tcPr/>
+                </a:tc>
+                <a:tc>
+                  <a:txBody>
+                    <a:bodyPr/>
+                    <a:lstStyle/>
+                    <a:p>
+                      <a:pPr algn="ctr"/>
+                      <a:r>
+                        <a:rPr kumimoji="1" lang="ja-JP" altLang="en-US" dirty="0"/>
+                        <a:t>①＋②＋➂</a:t>
+                      </a:r>
+                    </a:p>
+                  </a:txBody>
+                  <a:tcPr/>
+                </a:tc>
+                <a:extLst>
+                  <a:ext uri="{0D108BD9-81ED-4DB2-BD59-A6C34878D82A}">
+                    <a16:rowId xmlns:a16="http://schemas.microsoft.com/office/drawing/2014/main" val="2024950692"/>
+                  </a:ext>
+                </a:extLst>
+              </a:tr>
+              <a:tr h="370840">
+                <a:tc>
+                  <a:txBody>
+                    <a:bodyPr/>
+                    <a:lstStyle/>
+                    <a:p>
+                      <a:pPr algn="ctr"/>
+                      <a:r>
+                        <a:rPr kumimoji="1" lang="en-US" altLang="ja-JP" dirty="0"/>
+                        <a:t>1</a:t>
+                      </a:r>
+                      <a:r>
+                        <a:rPr kumimoji="1" lang="ja-JP" altLang="en-US" dirty="0"/>
+                        <a:t>位</a:t>
+                      </a:r>
+                    </a:p>
+                  </a:txBody>
+                  <a:tcPr/>
+                </a:tc>
+                <a:tc>
+                  <a:txBody>
+                    <a:bodyPr/>
+                    <a:lstStyle/>
+                    <a:p>
+                      <a:endParaRPr kumimoji="1" lang="ja-JP" altLang="en-US" sz="1200" dirty="0"/>
+                    </a:p>
+                  </a:txBody>
+                  <a:tcPr/>
+                </a:tc>
+                <a:tc>
+                  <a:txBody>
+                    <a:bodyPr/>
+                    <a:lstStyle/>
+                    <a:p>
+                      <a:endParaRPr kumimoji="1" lang="ja-JP" altLang="en-US" sz="1200" dirty="0"/>
+                    </a:p>
+                  </a:txBody>
+                  <a:tcPr/>
+                </a:tc>
+                <a:tc>
+                  <a:txBody>
+                    <a:bodyPr/>
+                    <a:lstStyle/>
+                    <a:p>
+                      <a:endParaRPr kumimoji="1" lang="ja-JP" altLang="en-US" sz="1200" dirty="0"/>
+                    </a:p>
+                  </a:txBody>
+                  <a:tcPr/>
+                </a:tc>
+                <a:tc>
+                  <a:txBody>
+                    <a:bodyPr/>
+                    <a:lstStyle/>
+                    <a:p>
+                      <a:endParaRPr kumimoji="1" lang="ja-JP" altLang="en-US" sz="1200" dirty="0"/>
+                    </a:p>
+                  </a:txBody>
+                  <a:tcPr/>
+                </a:tc>
+                <a:tc>
+                  <a:txBody>
+                    <a:bodyPr/>
+                    <a:lstStyle/>
+                    <a:p>
+                      <a:endParaRPr kumimoji="1" lang="ja-JP" altLang="en-US" sz="1200" dirty="0"/>
+                    </a:p>
+                  </a:txBody>
+                  <a:tcPr/>
+                </a:tc>
+                <a:tc>
+                  <a:txBody>
+                    <a:bodyPr/>
+                    <a:lstStyle/>
+                    <a:p>
+                      <a:endParaRPr kumimoji="1" lang="ja-JP" altLang="en-US" sz="1200" dirty="0"/>
+                    </a:p>
+                  </a:txBody>
+                  <a:tcPr/>
+                </a:tc>
+                <a:tc>
+                  <a:txBody>
+                    <a:bodyPr/>
+                    <a:lstStyle/>
+                    <a:p>
+                      <a:endParaRPr kumimoji="1" lang="ja-JP" altLang="en-US" sz="1200" dirty="0"/>
+                    </a:p>
+                  </a:txBody>
+                  <a:tcPr/>
+                </a:tc>
+                <a:extLst>
+                  <a:ext uri="{0D108BD9-81ED-4DB2-BD59-A6C34878D82A}">
+                    <a16:rowId xmlns:a16="http://schemas.microsoft.com/office/drawing/2014/main" val="1315630701"/>
+                  </a:ext>
+                </a:extLst>
+              </a:tr>
+              <a:tr h="370840">
+                <a:tc>
+                  <a:txBody>
+                    <a:bodyPr/>
+                    <a:lstStyle/>
+                    <a:p>
+                      <a:pPr algn="ctr"/>
+                      <a:r>
+                        <a:rPr kumimoji="1" lang="en-US" altLang="ja-JP" dirty="0"/>
+                        <a:t>2</a:t>
+                      </a:r>
+                      <a:r>
+                        <a:rPr kumimoji="1" lang="ja-JP" altLang="en-US" dirty="0"/>
+                        <a:t>位</a:t>
+                      </a:r>
+                    </a:p>
+                  </a:txBody>
+                  <a:tcPr/>
+                </a:tc>
+                <a:tc>
+                  <a:txBody>
+                    <a:bodyPr/>
+                    <a:lstStyle/>
+                    <a:p>
+                      <a:endParaRPr kumimoji="1" lang="ja-JP" altLang="en-US" sz="1200" dirty="0"/>
+                    </a:p>
+                  </a:txBody>
+                  <a:tcPr/>
+                </a:tc>
+                <a:tc>
+                  <a:txBody>
+                    <a:bodyPr/>
+                    <a:lstStyle/>
+                    <a:p>
+                      <a:endParaRPr kumimoji="1" lang="ja-JP" altLang="en-US" sz="1200" dirty="0"/>
+                    </a:p>
+                  </a:txBody>
+                  <a:tcPr/>
+                </a:tc>
+                <a:tc>
+                  <a:txBody>
+                    <a:bodyPr/>
+                    <a:lstStyle/>
+                    <a:p>
+                      <a:endParaRPr kumimoji="1" lang="ja-JP" altLang="en-US" sz="1200" dirty="0"/>
+                    </a:p>
+                  </a:txBody>
+                  <a:tcPr/>
+                </a:tc>
+                <a:tc>
+                  <a:txBody>
+                    <a:bodyPr/>
+                    <a:lstStyle/>
+                    <a:p>
+                      <a:endParaRPr kumimoji="1" lang="ja-JP" altLang="en-US" sz="1200" dirty="0"/>
+                    </a:p>
+                  </a:txBody>
+                  <a:tcPr/>
+                </a:tc>
+                <a:tc>
+                  <a:txBody>
+                    <a:bodyPr/>
+                    <a:lstStyle/>
+                    <a:p>
+                      <a:endParaRPr kumimoji="1" lang="ja-JP" altLang="en-US" sz="1200" dirty="0"/>
+                    </a:p>
+                  </a:txBody>
+                  <a:tcPr/>
+                </a:tc>
+                <a:tc>
+                  <a:txBody>
+                    <a:bodyPr/>
+                    <a:lstStyle/>
+                    <a:p>
+                      <a:endParaRPr kumimoji="1" lang="ja-JP" altLang="en-US" sz="1200" dirty="0"/>
+                    </a:p>
+                  </a:txBody>
+                  <a:tcPr/>
+                </a:tc>
+                <a:tc>
+                  <a:txBody>
+                    <a:bodyPr/>
+                    <a:lstStyle/>
+                    <a:p>
+                      <a:endParaRPr kumimoji="1" lang="ja-JP" altLang="en-US" sz="1200" dirty="0"/>
+                    </a:p>
+                  </a:txBody>
+                  <a:tcPr/>
+                </a:tc>
+                <a:extLst>
+                  <a:ext uri="{0D108BD9-81ED-4DB2-BD59-A6C34878D82A}">
+                    <a16:rowId xmlns:a16="http://schemas.microsoft.com/office/drawing/2014/main" val="96000434"/>
+                  </a:ext>
+                </a:extLst>
+              </a:tr>
+              <a:tr h="370840">
+                <a:tc>
+                  <a:txBody>
+                    <a:bodyPr/>
+                    <a:lstStyle/>
+                    <a:p>
+                      <a:pPr algn="ctr"/>
+                      <a:r>
+                        <a:rPr kumimoji="1" lang="en-US" altLang="ja-JP" dirty="0"/>
+                        <a:t>3</a:t>
+                      </a:r>
+                      <a:r>
+                        <a:rPr kumimoji="1" lang="ja-JP" altLang="en-US" dirty="0"/>
+                        <a:t>位</a:t>
+                      </a:r>
+                    </a:p>
+                  </a:txBody>
+                  <a:tcPr/>
+                </a:tc>
+                <a:tc>
+                  <a:txBody>
+                    <a:bodyPr/>
+                    <a:lstStyle/>
+                    <a:p>
+                      <a:endParaRPr kumimoji="1" lang="ja-JP" altLang="en-US" sz="1200" dirty="0"/>
+                    </a:p>
+                  </a:txBody>
+                  <a:tcPr/>
+                </a:tc>
+                <a:tc>
+                  <a:txBody>
+                    <a:bodyPr/>
+                    <a:lstStyle/>
+                    <a:p>
+                      <a:endParaRPr kumimoji="1" lang="ja-JP" altLang="en-US" sz="1200" dirty="0"/>
+                    </a:p>
+                  </a:txBody>
+                  <a:tcPr/>
+                </a:tc>
+                <a:tc>
+                  <a:txBody>
+                    <a:bodyPr/>
+                    <a:lstStyle/>
+                    <a:p>
+                      <a:endParaRPr kumimoji="1" lang="ja-JP" altLang="en-US" sz="1200" dirty="0"/>
+                    </a:p>
+                  </a:txBody>
+                  <a:tcPr/>
+                </a:tc>
+                <a:tc>
+                  <a:txBody>
+                    <a:bodyPr/>
+                    <a:lstStyle/>
+                    <a:p>
+                      <a:endParaRPr kumimoji="1" lang="ja-JP" altLang="en-US" sz="1200" dirty="0"/>
+                    </a:p>
+                  </a:txBody>
+                  <a:tcPr/>
+                </a:tc>
+                <a:tc>
+                  <a:txBody>
+                    <a:bodyPr/>
+                    <a:lstStyle/>
+                    <a:p>
+                      <a:endParaRPr kumimoji="1" lang="ja-JP" altLang="en-US" sz="1200" dirty="0"/>
+                    </a:p>
+                  </a:txBody>
+                  <a:tcPr/>
+                </a:tc>
+                <a:tc>
+                  <a:txBody>
+                    <a:bodyPr/>
+                    <a:lstStyle/>
+                    <a:p>
+                      <a:endParaRPr kumimoji="1" lang="ja-JP" altLang="en-US" sz="1200" dirty="0"/>
+                    </a:p>
+                  </a:txBody>
+                  <a:tcPr/>
+                </a:tc>
+                <a:tc>
+                  <a:txBody>
+                    <a:bodyPr/>
+                    <a:lstStyle/>
+                    <a:p>
+                      <a:endParaRPr kumimoji="1" lang="ja-JP" altLang="en-US" sz="1200" dirty="0"/>
+                    </a:p>
+                  </a:txBody>
+                  <a:tcPr/>
+                </a:tc>
+                <a:extLst>
+                  <a:ext uri="{0D108BD9-81ED-4DB2-BD59-A6C34878D82A}">
+                    <a16:rowId xmlns:a16="http://schemas.microsoft.com/office/drawing/2014/main" val="840896905"/>
+                  </a:ext>
+                </a:extLst>
+              </a:tr>
+              <a:tr h="370840">
+                <a:tc>
+                  <a:txBody>
+                    <a:bodyPr/>
+                    <a:lstStyle/>
+                    <a:p>
+                      <a:pPr algn="ctr"/>
+                      <a:r>
+                        <a:rPr kumimoji="1" lang="en-US" altLang="ja-JP" dirty="0"/>
+                        <a:t>4</a:t>
+                      </a:r>
+                      <a:r>
+                        <a:rPr kumimoji="1" lang="ja-JP" altLang="en-US" dirty="0"/>
+                        <a:t>位</a:t>
+                      </a:r>
+                    </a:p>
+                  </a:txBody>
+                  <a:tcPr/>
+                </a:tc>
+                <a:tc>
+                  <a:txBody>
+                    <a:bodyPr/>
+                    <a:lstStyle/>
+                    <a:p>
+                      <a:endParaRPr kumimoji="1" lang="ja-JP" altLang="en-US" sz="1200" dirty="0"/>
+                    </a:p>
+                  </a:txBody>
+                  <a:tcPr/>
+                </a:tc>
+                <a:tc>
+                  <a:txBody>
+                    <a:bodyPr/>
+                    <a:lstStyle/>
+                    <a:p>
+                      <a:endParaRPr kumimoji="1" lang="ja-JP" altLang="en-US" sz="1200" dirty="0"/>
+                    </a:p>
+                  </a:txBody>
+                  <a:tcPr/>
+                </a:tc>
+                <a:tc>
+                  <a:txBody>
+                    <a:bodyPr/>
+                    <a:lstStyle/>
+                    <a:p>
+                      <a:endParaRPr kumimoji="1" lang="ja-JP" altLang="en-US" sz="1200" dirty="0"/>
+                    </a:p>
+                  </a:txBody>
+                  <a:tcPr/>
+                </a:tc>
+                <a:tc>
+                  <a:txBody>
+                    <a:bodyPr/>
+                    <a:lstStyle/>
+                    <a:p>
+                      <a:endParaRPr kumimoji="1" lang="ja-JP" altLang="en-US" sz="1200" dirty="0"/>
+                    </a:p>
+                  </a:txBody>
+                  <a:tcPr/>
+                </a:tc>
+                <a:tc>
+                  <a:txBody>
+                    <a:bodyPr/>
+                    <a:lstStyle/>
+                    <a:p>
+                      <a:endParaRPr kumimoji="1" lang="ja-JP" altLang="en-US" sz="1200" dirty="0"/>
+                    </a:p>
+                  </a:txBody>
+                  <a:tcPr/>
+                </a:tc>
+                <a:tc>
+                  <a:txBody>
+                    <a:bodyPr/>
+                    <a:lstStyle/>
+                    <a:p>
+                      <a:endParaRPr kumimoji="1" lang="ja-JP" altLang="en-US" sz="1200" dirty="0"/>
+                    </a:p>
+                  </a:txBody>
+                  <a:tcPr/>
+                </a:tc>
+                <a:tc>
+                  <a:txBody>
+                    <a:bodyPr/>
+                    <a:lstStyle/>
+                    <a:p>
+                      <a:endParaRPr kumimoji="1" lang="ja-JP" altLang="en-US" sz="1200" dirty="0"/>
+                    </a:p>
+                  </a:txBody>
+                  <a:tcPr/>
+                </a:tc>
+                <a:extLst>
+                  <a:ext uri="{0D108BD9-81ED-4DB2-BD59-A6C34878D82A}">
+                    <a16:rowId xmlns:a16="http://schemas.microsoft.com/office/drawing/2014/main" val="2323089774"/>
+                  </a:ext>
+                </a:extLst>
+              </a:tr>
+              <a:tr h="370840">
+                <a:tc>
+                  <a:txBody>
+                    <a:bodyPr/>
+                    <a:lstStyle/>
+                    <a:p>
+                      <a:pPr algn="ctr"/>
+                      <a:r>
+                        <a:rPr kumimoji="1" lang="en-US" altLang="ja-JP" dirty="0"/>
+                        <a:t>5</a:t>
+                      </a:r>
+                      <a:r>
+                        <a:rPr kumimoji="1" lang="ja-JP" altLang="en-US" dirty="0"/>
+                        <a:t>位</a:t>
+                      </a:r>
+                    </a:p>
+                  </a:txBody>
+                  <a:tcPr/>
+                </a:tc>
+                <a:tc>
+                  <a:txBody>
+                    <a:bodyPr/>
+                    <a:lstStyle/>
+                    <a:p>
+                      <a:endParaRPr kumimoji="1" lang="ja-JP" altLang="en-US" sz="1200" dirty="0"/>
+                    </a:p>
+                  </a:txBody>
+                  <a:tcPr/>
+                </a:tc>
+                <a:tc>
+                  <a:txBody>
+                    <a:bodyPr/>
+                    <a:lstStyle/>
+                    <a:p>
+                      <a:endParaRPr kumimoji="1" lang="ja-JP" altLang="en-US" sz="1200" dirty="0"/>
+                    </a:p>
+                  </a:txBody>
+                  <a:tcPr/>
+                </a:tc>
+                <a:tc>
+                  <a:txBody>
+                    <a:bodyPr/>
+                    <a:lstStyle/>
+                    <a:p>
+                      <a:endParaRPr kumimoji="1" lang="ja-JP" altLang="en-US" sz="1200" dirty="0"/>
+                    </a:p>
+                  </a:txBody>
+                  <a:tcPr/>
+                </a:tc>
+                <a:tc>
+                  <a:txBody>
+                    <a:bodyPr/>
+                    <a:lstStyle/>
+                    <a:p>
+                      <a:endParaRPr kumimoji="1" lang="ja-JP" altLang="en-US" sz="1200" dirty="0"/>
+                    </a:p>
+                  </a:txBody>
+                  <a:tcPr/>
+                </a:tc>
+                <a:tc>
+                  <a:txBody>
+                    <a:bodyPr/>
+                    <a:lstStyle/>
+                    <a:p>
+                      <a:endParaRPr kumimoji="1" lang="ja-JP" altLang="en-US" sz="1200" dirty="0"/>
+                    </a:p>
+                  </a:txBody>
+                  <a:tcPr/>
+                </a:tc>
+                <a:tc>
+                  <a:txBody>
+                    <a:bodyPr/>
+                    <a:lstStyle/>
+                    <a:p>
+                      <a:endParaRPr kumimoji="1" lang="ja-JP" altLang="en-US" sz="1200" dirty="0"/>
+                    </a:p>
+                  </a:txBody>
+                  <a:tcPr/>
+                </a:tc>
+                <a:tc>
+                  <a:txBody>
+                    <a:bodyPr/>
+                    <a:lstStyle/>
+                    <a:p>
+                      <a:endParaRPr kumimoji="1" lang="ja-JP" altLang="en-US" sz="1200" dirty="0"/>
+                    </a:p>
+                  </a:txBody>
+                  <a:tcPr/>
+                </a:tc>
+                <a:extLst>
+                  <a:ext uri="{0D108BD9-81ED-4DB2-BD59-A6C34878D82A}">
+                    <a16:rowId xmlns:a16="http://schemas.microsoft.com/office/drawing/2014/main" val="4166870957"/>
+                  </a:ext>
+                </a:extLst>
+              </a:tr>
+            </a:tbl>
+          </a:graphicData>
+        </a:graphic>
+      </p:graphicFrame>
+      <p:sp>
+        <p:nvSpPr>
+          <p:cNvPr id="6" name="正方形/長方形 5">
+            <a:extLst>
+              <a:ext uri="{FF2B5EF4-FFF2-40B4-BE49-F238E27FC236}">
+                <a16:creationId xmlns:a16="http://schemas.microsoft.com/office/drawing/2014/main" id="{F2957FDD-F8F8-CAFA-BA96-F9934E0A4602}"/>
+              </a:ext>
+            </a:extLst>
+          </p:cNvPr>
+          <p:cNvSpPr/>
+          <p:nvPr/>
+        </p:nvSpPr>
+        <p:spPr>
+          <a:xfrm>
+            <a:off x="443077" y="767395"/>
+            <a:ext cx="11341552" cy="1212011"/>
+          </a:xfrm>
+          <a:prstGeom prst="rect">
+            <a:avLst/>
+          </a:prstGeom>
+          <a:solidFill>
+            <a:srgbClr val="FFFFCC"/>
+          </a:solidFill>
+        </p:spPr>
+        <p:style>
+          <a:lnRef idx="2">
+            <a:schemeClr val="accent1">
+              <a:shade val="15000"/>
+            </a:schemeClr>
+          </a:lnRef>
+          <a:fillRef idx="1">
+            <a:schemeClr val="accent1"/>
+          </a:fillRef>
+          <a:effectRef idx="0">
+            <a:schemeClr val="accent1"/>
+          </a:effectRef>
+          <a:fontRef idx="minor">
+            <a:schemeClr val="lt1"/>
+          </a:fontRef>
+        </p:style>
+        <p:txBody>
+          <a:bodyPr rtlCol="0" anchor="ctr"/>
+          <a:lstStyle/>
+          <a:p>
+            <a:r>
+              <a:rPr kumimoji="1" lang="ja-JP" altLang="en-US" dirty="0">
+                <a:solidFill>
+                  <a:schemeClr val="tx1"/>
+                </a:solidFill>
+              </a:rPr>
+              <a:t>データ数を増やせば、</a:t>
+            </a:r>
+            <a:r>
+              <a:rPr kumimoji="1" lang="en-US" altLang="ja-JP" dirty="0">
+                <a:solidFill>
+                  <a:schemeClr val="tx1"/>
+                </a:solidFill>
+              </a:rPr>
+              <a:t>SHAP</a:t>
+            </a:r>
+            <a:r>
+              <a:rPr kumimoji="1" lang="ja-JP" altLang="en-US" dirty="0">
+                <a:solidFill>
+                  <a:schemeClr val="tx1"/>
+                </a:solidFill>
+              </a:rPr>
+              <a:t>値は安定していく傾向がある</a:t>
+            </a:r>
+            <a:endParaRPr kumimoji="1" lang="en-US" altLang="ja-JP" dirty="0">
+              <a:solidFill>
+                <a:schemeClr val="tx1"/>
+              </a:solidFill>
+            </a:endParaRPr>
+          </a:p>
+          <a:p>
+            <a:r>
+              <a:rPr lang="ja-JP" altLang="en-US" dirty="0">
+                <a:solidFill>
+                  <a:schemeClr val="tx1"/>
+                </a:solidFill>
+              </a:rPr>
+              <a:t>データ数短いと、モデルの精度も悪い</a:t>
+            </a:r>
+            <a:endParaRPr lang="en-US" altLang="ja-JP" dirty="0">
+              <a:solidFill>
+                <a:schemeClr val="tx1"/>
+              </a:solidFill>
+            </a:endParaRPr>
+          </a:p>
+          <a:p>
+            <a:r>
+              <a:rPr lang="ja-JP" altLang="en-US" dirty="0">
+                <a:solidFill>
+                  <a:schemeClr val="tx1"/>
+                </a:solidFill>
+              </a:rPr>
+              <a:t>⇒　データ数長いモデルだけ十分？</a:t>
+            </a:r>
+            <a:endParaRPr lang="en-US" altLang="ja-JP" dirty="0">
+              <a:solidFill>
+                <a:schemeClr val="tx1"/>
+              </a:solidFill>
+            </a:endParaRPr>
+          </a:p>
+        </p:txBody>
+      </p:sp>
+      <p:sp>
+        <p:nvSpPr>
+          <p:cNvPr id="7" name="テキスト ボックス 6">
+            <a:extLst>
+              <a:ext uri="{FF2B5EF4-FFF2-40B4-BE49-F238E27FC236}">
+                <a16:creationId xmlns:a16="http://schemas.microsoft.com/office/drawing/2014/main" id="{33CA6397-0951-8210-39AC-26F803E185D8}"/>
+              </a:ext>
+            </a:extLst>
+          </p:cNvPr>
+          <p:cNvSpPr txBox="1"/>
+          <p:nvPr/>
+        </p:nvSpPr>
+        <p:spPr>
+          <a:xfrm>
+            <a:off x="10515893" y="2121849"/>
+            <a:ext cx="1233030" cy="923330"/>
+          </a:xfrm>
+          <a:prstGeom prst="rect">
+            <a:avLst/>
+          </a:prstGeom>
+          <a:noFill/>
+        </p:spPr>
+        <p:txBody>
+          <a:bodyPr wrap="none" rtlCol="0">
+            <a:spAutoFit/>
+          </a:bodyPr>
+          <a:lstStyle/>
+          <a:p>
+            <a:r>
+              <a:rPr kumimoji="1" lang="ja-JP" altLang="en-US" dirty="0"/>
+              <a:t>①：</a:t>
+            </a:r>
+            <a:r>
+              <a:rPr kumimoji="1" lang="en-US" altLang="ja-JP" dirty="0"/>
+              <a:t>1</a:t>
+            </a:r>
+            <a:r>
+              <a:rPr kumimoji="1" lang="ja-JP" altLang="en-US" dirty="0"/>
+              <a:t>か月</a:t>
+            </a:r>
+            <a:endParaRPr kumimoji="1" lang="en-US" altLang="ja-JP" dirty="0"/>
+          </a:p>
+          <a:p>
+            <a:r>
+              <a:rPr kumimoji="1" lang="ja-JP" altLang="en-US" dirty="0"/>
+              <a:t>②：</a:t>
+            </a:r>
+            <a:r>
+              <a:rPr kumimoji="1" lang="en-US" altLang="ja-JP" dirty="0"/>
+              <a:t>3</a:t>
+            </a:r>
+            <a:r>
+              <a:rPr kumimoji="1" lang="ja-JP" altLang="en-US" dirty="0"/>
+              <a:t>か月</a:t>
+            </a:r>
+            <a:endParaRPr kumimoji="1" lang="en-US" altLang="ja-JP" dirty="0"/>
+          </a:p>
+          <a:p>
+            <a:r>
+              <a:rPr lang="ja-JP" altLang="en-US" dirty="0"/>
+              <a:t>➂：半年</a:t>
+            </a:r>
+            <a:endParaRPr kumimoji="1" lang="ja-JP" altLang="en-US" dirty="0"/>
+          </a:p>
+        </p:txBody>
+      </p:sp>
+    </p:spTree>
+    <p:extLst>
+      <p:ext uri="{BB962C8B-B14F-4D97-AF65-F5344CB8AC3E}">
+        <p14:creationId xmlns:p14="http://schemas.microsoft.com/office/powerpoint/2010/main" val="3727065198"/>
+      </p:ext>
+    </p:extLst>
+  </p:cSld>
+  <p:clrMapOvr>
+    <a:masterClrMapping/>
+  </p:clrMapOvr>
+</p:sld>
+</file>
+
+<file path=ppt/slides/slide3.xml><?xml version="1.0" encoding="utf-8"?>
+<p:sld xmlns:a="http://schemas.openxmlformats.org/drawingml/2006/main" xmlns:r="http://schemas.openxmlformats.org/officeDocument/2006/relationships" xmlns:p="http://schemas.openxmlformats.org/presentationml/2006/main">
+  <p:cSld>
+    <p:spTree>
+      <p:nvGrpSpPr>
+        <p:cNvPr id="1" name=""/>
+        <p:cNvGrpSpPr/>
+        <p:nvPr/>
+      </p:nvGrpSpPr>
+      <p:grpSpPr>
+        <a:xfrm>
+          <a:off x="0" y="0"/>
+          <a:ext cx="0" cy="0"/>
+          <a:chOff x="0" y="0"/>
+          <a:chExt cx="0" cy="0"/>
+        </a:xfrm>
+      </p:grpSpPr>
+      <p:sp>
+        <p:nvSpPr>
+          <p:cNvPr id="2" name="テキスト プレースホルダー 1">
+            <a:extLst>
+              <a:ext uri="{FF2B5EF4-FFF2-40B4-BE49-F238E27FC236}">
                 <a16:creationId xmlns:a16="http://schemas.microsoft.com/office/drawing/2014/main" id="{D23DEB09-E096-5D4A-3231-8E39B13CB311}"/>
               </a:ext>
             </a:extLst>
@@ -22732,7 +24666,7 @@
 </p:sld>
 </file>
 
-<file path=ppt/slides/slide2.xml><?xml version="1.0" encoding="utf-8"?>
+<file path=ppt/slides/slide4.xml><?xml version="1.0" encoding="utf-8"?>
 <p:sld xmlns:a="http://schemas.openxmlformats.org/drawingml/2006/main" xmlns:r="http://schemas.openxmlformats.org/officeDocument/2006/relationships" xmlns:p="http://schemas.openxmlformats.org/presentationml/2006/main">
   <p:cSld>
     <p:spTree>
@@ -22826,7 +24760,7 @@
             <a:fld id="{FCAFAC13-DB77-42F2-BE26-45BA5532FD50}" type="datetime4">
               <a:rPr lang="en-US" altLang="ja-JP" smtClean="0"/>
               <a:pPr/>
-              <a:t>September 30, 2024</a:t>
+              <a:t>October 1, 2024</a:t>
             </a:fld>
             <a:endParaRPr lang="en-US" dirty="0"/>
           </a:p>
@@ -27202,450 +29136,6 @@
     <p:extLst>
       <p:ext uri="{BB962C8B-B14F-4D97-AF65-F5344CB8AC3E}">
         <p14:creationId xmlns:p14="http://schemas.microsoft.com/office/powerpoint/2010/main" val="2247939388"/>
-      </p:ext>
-    </p:extLst>
-  </p:cSld>
-  <p:clrMapOvr>
-    <a:masterClrMapping/>
-  </p:clrMapOvr>
-</p:sld>
-</file>
-
-<file path=ppt/slides/slide3.xml><?xml version="1.0" encoding="utf-8"?>
-<p:sld xmlns:a="http://schemas.openxmlformats.org/drawingml/2006/main" xmlns:r="http://schemas.openxmlformats.org/officeDocument/2006/relationships" xmlns:p="http://schemas.openxmlformats.org/presentationml/2006/main">
-  <p:cSld>
-    <p:spTree>
-      <p:nvGrpSpPr>
-        <p:cNvPr id="1" name=""/>
-        <p:cNvGrpSpPr/>
-        <p:nvPr/>
-      </p:nvGrpSpPr>
-      <p:grpSpPr>
-        <a:xfrm>
-          <a:off x="0" y="0"/>
-          <a:ext cx="0" cy="0"/>
-          <a:chOff x="0" y="0"/>
-          <a:chExt cx="0" cy="0"/>
-        </a:xfrm>
-      </p:grpSpPr>
-      <p:sp>
-        <p:nvSpPr>
-          <p:cNvPr id="2" name="テキスト プレースホルダー 1">
-            <a:extLst>
-              <a:ext uri="{FF2B5EF4-FFF2-40B4-BE49-F238E27FC236}">
-                <a16:creationId xmlns:a16="http://schemas.microsoft.com/office/drawing/2014/main" id="{A1E51239-214B-9CC0-22C2-C99F0F74B5E5}"/>
-              </a:ext>
-            </a:extLst>
-          </p:cNvPr>
-          <p:cNvSpPr>
-            <a:spLocks noGrp="1"/>
-          </p:cNvSpPr>
-          <p:nvPr>
-            <p:ph type="body" sz="quarter" idx="18"/>
-          </p:nvPr>
-        </p:nvSpPr>
-        <p:spPr/>
-        <p:txBody>
-          <a:bodyPr/>
-          <a:lstStyle/>
-          <a:p>
-            <a:endParaRPr kumimoji="1" lang="ja-JP" altLang="en-US" dirty="0"/>
-          </a:p>
-        </p:txBody>
-      </p:sp>
-      <p:sp>
-        <p:nvSpPr>
-          <p:cNvPr id="3" name="テキスト プレースホルダー 2">
-            <a:extLst>
-              <a:ext uri="{FF2B5EF4-FFF2-40B4-BE49-F238E27FC236}">
-                <a16:creationId xmlns:a16="http://schemas.microsoft.com/office/drawing/2014/main" id="{5997D6E0-0A04-CE2C-7885-138C767EDC8D}"/>
-              </a:ext>
-            </a:extLst>
-          </p:cNvPr>
-          <p:cNvSpPr>
-            <a:spLocks noGrp="1"/>
-          </p:cNvSpPr>
-          <p:nvPr>
-            <p:ph type="body" sz="quarter" idx="20"/>
-          </p:nvPr>
-        </p:nvSpPr>
-        <p:spPr/>
-        <p:txBody>
-          <a:bodyPr/>
-          <a:lstStyle/>
-          <a:p>
-            <a:r>
-              <a:rPr kumimoji="1" lang="en-US" altLang="ja-JP" dirty="0" err="1"/>
-              <a:t>shift+alt</a:t>
-            </a:r>
-            <a:endParaRPr kumimoji="1" lang="ja-JP" altLang="en-US" dirty="0"/>
-          </a:p>
-        </p:txBody>
-      </p:sp>
-      <p:sp>
-        <p:nvSpPr>
-          <p:cNvPr id="4" name="日付プレースホルダー 3">
-            <a:extLst>
-              <a:ext uri="{FF2B5EF4-FFF2-40B4-BE49-F238E27FC236}">
-                <a16:creationId xmlns:a16="http://schemas.microsoft.com/office/drawing/2014/main" id="{23E784A7-3043-6D6D-3274-20E42251CED7}"/>
-              </a:ext>
-            </a:extLst>
-          </p:cNvPr>
-          <p:cNvSpPr>
-            <a:spLocks noGrp="1"/>
-          </p:cNvSpPr>
-          <p:nvPr>
-            <p:ph type="dt" sz="half" idx="19"/>
-          </p:nvPr>
-        </p:nvSpPr>
-        <p:spPr/>
-        <p:txBody>
-          <a:bodyPr/>
-          <a:lstStyle/>
-          <a:p>
-            <a:fld id="{FCAFAC13-DB77-42F2-BE26-45BA5532FD50}" type="datetime4">
-              <a:rPr lang="en-US" altLang="ja-JP" smtClean="0"/>
-              <a:pPr/>
-              <a:t>October 1, 2024</a:t>
-            </a:fld>
-            <a:endParaRPr lang="en-US" dirty="0"/>
-          </a:p>
-        </p:txBody>
-      </p:sp>
-      <p:sp>
-        <p:nvSpPr>
-          <p:cNvPr id="5" name="正方形/長方形 4">
-            <a:extLst>
-              <a:ext uri="{FF2B5EF4-FFF2-40B4-BE49-F238E27FC236}">
-                <a16:creationId xmlns:a16="http://schemas.microsoft.com/office/drawing/2014/main" id="{D55735C2-A1EB-165A-4EFF-6E7F9420626E}"/>
-              </a:ext>
-            </a:extLst>
-          </p:cNvPr>
-          <p:cNvSpPr/>
-          <p:nvPr/>
-        </p:nvSpPr>
-        <p:spPr>
-          <a:xfrm>
-            <a:off x="1228298" y="1760562"/>
-            <a:ext cx="5327175" cy="386684"/>
-          </a:xfrm>
-          <a:prstGeom prst="rect">
-            <a:avLst/>
-          </a:prstGeom>
-        </p:spPr>
-        <p:style>
-          <a:lnRef idx="2">
-            <a:schemeClr val="accent1">
-              <a:shade val="15000"/>
-            </a:schemeClr>
-          </a:lnRef>
-          <a:fillRef idx="1">
-            <a:schemeClr val="accent1"/>
-          </a:fillRef>
-          <a:effectRef idx="0">
-            <a:schemeClr val="accent1"/>
-          </a:effectRef>
-          <a:fontRef idx="minor">
-            <a:schemeClr val="lt1"/>
-          </a:fontRef>
-        </p:style>
-        <p:txBody>
-          <a:bodyPr rtlCol="0" anchor="ctr"/>
-          <a:lstStyle/>
-          <a:p>
-            <a:pPr algn="ctr"/>
-            <a:endParaRPr kumimoji="1" lang="ja-JP" altLang="en-US"/>
-          </a:p>
-        </p:txBody>
-      </p:sp>
-      <p:sp>
-        <p:nvSpPr>
-          <p:cNvPr id="6" name="正方形/長方形 5">
-            <a:extLst>
-              <a:ext uri="{FF2B5EF4-FFF2-40B4-BE49-F238E27FC236}">
-                <a16:creationId xmlns:a16="http://schemas.microsoft.com/office/drawing/2014/main" id="{1311AB81-BD86-A3A4-CD23-379B826CF2F0}"/>
-              </a:ext>
-            </a:extLst>
-          </p:cNvPr>
-          <p:cNvSpPr/>
-          <p:nvPr/>
-        </p:nvSpPr>
-        <p:spPr>
-          <a:xfrm>
-            <a:off x="3307307" y="2932367"/>
-            <a:ext cx="3248166" cy="386684"/>
-          </a:xfrm>
-          <a:prstGeom prst="rect">
-            <a:avLst/>
-          </a:prstGeom>
-        </p:spPr>
-        <p:style>
-          <a:lnRef idx="2">
-            <a:schemeClr val="accent1">
-              <a:shade val="15000"/>
-            </a:schemeClr>
-          </a:lnRef>
-          <a:fillRef idx="1">
-            <a:schemeClr val="accent1"/>
-          </a:fillRef>
-          <a:effectRef idx="0">
-            <a:schemeClr val="accent1"/>
-          </a:effectRef>
-          <a:fontRef idx="minor">
-            <a:schemeClr val="lt1"/>
-          </a:fontRef>
-        </p:style>
-        <p:txBody>
-          <a:bodyPr rtlCol="0" anchor="ctr"/>
-          <a:lstStyle/>
-          <a:p>
-            <a:pPr algn="ctr"/>
-            <a:endParaRPr kumimoji="1" lang="ja-JP" altLang="en-US"/>
-          </a:p>
-        </p:txBody>
-      </p:sp>
-      <p:sp>
-        <p:nvSpPr>
-          <p:cNvPr id="7" name="正方形/長方形 6">
-            <a:extLst>
-              <a:ext uri="{FF2B5EF4-FFF2-40B4-BE49-F238E27FC236}">
-                <a16:creationId xmlns:a16="http://schemas.microsoft.com/office/drawing/2014/main" id="{3DB1001D-1B3C-B8F9-003E-8DDE9E5762C8}"/>
-              </a:ext>
-            </a:extLst>
-          </p:cNvPr>
-          <p:cNvSpPr/>
-          <p:nvPr/>
-        </p:nvSpPr>
-        <p:spPr>
-          <a:xfrm>
-            <a:off x="4035188" y="4104173"/>
-            <a:ext cx="2474792" cy="386684"/>
-          </a:xfrm>
-          <a:prstGeom prst="rect">
-            <a:avLst/>
-          </a:prstGeom>
-        </p:spPr>
-        <p:style>
-          <a:lnRef idx="2">
-            <a:schemeClr val="accent1">
-              <a:shade val="15000"/>
-            </a:schemeClr>
-          </a:lnRef>
-          <a:fillRef idx="1">
-            <a:schemeClr val="accent1"/>
-          </a:fillRef>
-          <a:effectRef idx="0">
-            <a:schemeClr val="accent1"/>
-          </a:effectRef>
-          <a:fontRef idx="minor">
-            <a:schemeClr val="lt1"/>
-          </a:fontRef>
-        </p:style>
-        <p:txBody>
-          <a:bodyPr rtlCol="0" anchor="ctr"/>
-          <a:lstStyle/>
-          <a:p>
-            <a:pPr algn="ctr"/>
-            <a:endParaRPr kumimoji="1" lang="ja-JP" altLang="en-US"/>
-          </a:p>
-        </p:txBody>
-      </p:sp>
-      <p:sp>
-        <p:nvSpPr>
-          <p:cNvPr id="8" name="フローチャート: 結合子 7">
-            <a:extLst>
-              <a:ext uri="{FF2B5EF4-FFF2-40B4-BE49-F238E27FC236}">
-                <a16:creationId xmlns:a16="http://schemas.microsoft.com/office/drawing/2014/main" id="{F2A06B8F-AE92-6F40-A52E-9FE9E3FA2300}"/>
-              </a:ext>
-            </a:extLst>
-          </p:cNvPr>
-          <p:cNvSpPr/>
-          <p:nvPr/>
-        </p:nvSpPr>
-        <p:spPr>
-          <a:xfrm>
-            <a:off x="7394147" y="1589197"/>
-            <a:ext cx="721721" cy="729414"/>
-          </a:xfrm>
-          <a:prstGeom prst="flowChartConnector">
-            <a:avLst/>
-          </a:prstGeom>
-        </p:spPr>
-        <p:style>
-          <a:lnRef idx="2">
-            <a:schemeClr val="accent1">
-              <a:shade val="15000"/>
-            </a:schemeClr>
-          </a:lnRef>
-          <a:fillRef idx="1">
-            <a:schemeClr val="accent1"/>
-          </a:fillRef>
-          <a:effectRef idx="0">
-            <a:schemeClr val="accent1"/>
-          </a:effectRef>
-          <a:fontRef idx="minor">
-            <a:schemeClr val="lt1"/>
-          </a:fontRef>
-        </p:style>
-        <p:txBody>
-          <a:bodyPr rtlCol="0" anchor="ctr"/>
-          <a:lstStyle/>
-          <a:p>
-            <a:pPr algn="ctr"/>
-            <a:r>
-              <a:rPr lang="ja-JP" altLang="en-US" sz="1400" dirty="0"/>
-              <a:t>モデル</a:t>
-            </a:r>
-            <a:endParaRPr kumimoji="1" lang="ja-JP" altLang="en-US" sz="1400" dirty="0"/>
-          </a:p>
-        </p:txBody>
-      </p:sp>
-      <p:sp>
-        <p:nvSpPr>
-          <p:cNvPr id="9" name="フローチャート: 結合子 8">
-            <a:extLst>
-              <a:ext uri="{FF2B5EF4-FFF2-40B4-BE49-F238E27FC236}">
-                <a16:creationId xmlns:a16="http://schemas.microsoft.com/office/drawing/2014/main" id="{C2FFF7CC-A318-A1C9-7922-07B8BBE44760}"/>
-              </a:ext>
-            </a:extLst>
-          </p:cNvPr>
-          <p:cNvSpPr/>
-          <p:nvPr/>
-        </p:nvSpPr>
-        <p:spPr>
-          <a:xfrm>
-            <a:off x="7394147" y="2761002"/>
-            <a:ext cx="721721" cy="729414"/>
-          </a:xfrm>
-          <a:prstGeom prst="flowChartConnector">
-            <a:avLst/>
-          </a:prstGeom>
-        </p:spPr>
-        <p:style>
-          <a:lnRef idx="2">
-            <a:schemeClr val="accent1">
-              <a:shade val="15000"/>
-            </a:schemeClr>
-          </a:lnRef>
-          <a:fillRef idx="1">
-            <a:schemeClr val="accent1"/>
-          </a:fillRef>
-          <a:effectRef idx="0">
-            <a:schemeClr val="accent1"/>
-          </a:effectRef>
-          <a:fontRef idx="minor">
-            <a:schemeClr val="lt1"/>
-          </a:fontRef>
-        </p:style>
-        <p:txBody>
-          <a:bodyPr rtlCol="0" anchor="ctr"/>
-          <a:lstStyle/>
-          <a:p>
-            <a:pPr algn="ctr"/>
-            <a:r>
-              <a:rPr lang="ja-JP" altLang="en-US" sz="1400" dirty="0"/>
-              <a:t>モデル</a:t>
-            </a:r>
-            <a:endParaRPr kumimoji="1" lang="ja-JP" altLang="en-US" sz="1400" dirty="0"/>
-          </a:p>
-        </p:txBody>
-      </p:sp>
-      <p:sp>
-        <p:nvSpPr>
-          <p:cNvPr id="10" name="フローチャート: 結合子 9">
-            <a:extLst>
-              <a:ext uri="{FF2B5EF4-FFF2-40B4-BE49-F238E27FC236}">
-                <a16:creationId xmlns:a16="http://schemas.microsoft.com/office/drawing/2014/main" id="{29386CCD-CA0C-DCCF-ECB9-3F1C0444C90E}"/>
-              </a:ext>
-            </a:extLst>
-          </p:cNvPr>
-          <p:cNvSpPr/>
-          <p:nvPr/>
-        </p:nvSpPr>
-        <p:spPr>
-          <a:xfrm>
-            <a:off x="7391497" y="3966182"/>
-            <a:ext cx="721721" cy="729414"/>
-          </a:xfrm>
-          <a:prstGeom prst="flowChartConnector">
-            <a:avLst/>
-          </a:prstGeom>
-        </p:spPr>
-        <p:style>
-          <a:lnRef idx="2">
-            <a:schemeClr val="accent1">
-              <a:shade val="15000"/>
-            </a:schemeClr>
-          </a:lnRef>
-          <a:fillRef idx="1">
-            <a:schemeClr val="accent1"/>
-          </a:fillRef>
-          <a:effectRef idx="0">
-            <a:schemeClr val="accent1"/>
-          </a:effectRef>
-          <a:fontRef idx="minor">
-            <a:schemeClr val="lt1"/>
-          </a:fontRef>
-        </p:style>
-        <p:txBody>
-          <a:bodyPr rtlCol="0" anchor="ctr"/>
-          <a:lstStyle/>
-          <a:p>
-            <a:pPr algn="ctr"/>
-            <a:r>
-              <a:rPr lang="ja-JP" altLang="en-US" sz="1400" dirty="0"/>
-              <a:t>モデル</a:t>
-            </a:r>
-            <a:endParaRPr kumimoji="1" lang="ja-JP" altLang="en-US" sz="1400" dirty="0"/>
-          </a:p>
-        </p:txBody>
-      </p:sp>
-      <p:cxnSp>
-        <p:nvCxnSpPr>
-          <p:cNvPr id="12" name="直線矢印コネクタ 11">
-            <a:extLst>
-              <a:ext uri="{FF2B5EF4-FFF2-40B4-BE49-F238E27FC236}">
-                <a16:creationId xmlns:a16="http://schemas.microsoft.com/office/drawing/2014/main" id="{73160159-DE30-756E-9893-999C68ED7D61}"/>
-              </a:ext>
-            </a:extLst>
-          </p:cNvPr>
-          <p:cNvCxnSpPr>
-            <a:stCxn id="5" idx="3"/>
-            <a:endCxn id="8" idx="2"/>
-          </p:cNvCxnSpPr>
-          <p:nvPr/>
-        </p:nvCxnSpPr>
-        <p:spPr>
-          <a:xfrm>
-            <a:off x="6555473" y="1953904"/>
-            <a:ext cx="838674" cy="0"/>
-          </a:xfrm>
-          <a:prstGeom prst="straightConnector1">
-            <a:avLst/>
-          </a:prstGeom>
-          <a:ln>
-            <a:tailEnd type="triangle"/>
-          </a:ln>
-        </p:spPr>
-        <p:style>
-          <a:lnRef idx="1">
-            <a:schemeClr val="accent1"/>
-          </a:lnRef>
-          <a:fillRef idx="0">
-            <a:schemeClr val="accent1"/>
-          </a:fillRef>
-          <a:effectRef idx="0">
-            <a:schemeClr val="accent1"/>
-          </a:effectRef>
-          <a:fontRef idx="minor">
-            <a:schemeClr val="tx1"/>
-          </a:fontRef>
-        </p:style>
-      </p:cxnSp>
-    </p:spTree>
-    <p:extLst>
-      <p:ext uri="{BB962C8B-B14F-4D97-AF65-F5344CB8AC3E}">
-        <p14:creationId xmlns:p14="http://schemas.microsoft.com/office/powerpoint/2010/main" val="2416191133"/>
       </p:ext>
     </p:extLst>
   </p:cSld>
